--- a/IA Genética.pptx
+++ b/IA Genética.pptx
@@ -5,14 +5,19 @@
     <p:sldMasterId id="2147483648" r:id="rId1"/>
   </p:sldMasterIdLst>
   <p:sldIdLst>
-    <p:sldId id="256" r:id="rId2"/>
-    <p:sldId id="257" r:id="rId3"/>
-    <p:sldId id="258" r:id="rId4"/>
-    <p:sldId id="259" r:id="rId5"/>
-    <p:sldId id="260" r:id="rId6"/>
-    <p:sldId id="261" r:id="rId7"/>
-    <p:sldId id="262" r:id="rId8"/>
-    <p:sldId id="263" r:id="rId9"/>
+    <p:sldId id="268" r:id="rId2"/>
+    <p:sldId id="265" r:id="rId3"/>
+    <p:sldId id="264" r:id="rId4"/>
+    <p:sldId id="256" r:id="rId5"/>
+    <p:sldId id="257" r:id="rId6"/>
+    <p:sldId id="258" r:id="rId7"/>
+    <p:sldId id="259" r:id="rId8"/>
+    <p:sldId id="260" r:id="rId9"/>
+    <p:sldId id="261" r:id="rId10"/>
+    <p:sldId id="262" r:id="rId11"/>
+    <p:sldId id="263" r:id="rId12"/>
+    <p:sldId id="267" r:id="rId13"/>
+    <p:sldId id="266" r:id="rId14"/>
   </p:sldIdLst>
   <p:sldSz cx="12192000" cy="6858000"/>
   <p:notesSz cx="6858000" cy="9144000"/>
@@ -266,7 +271,7 @@
           <a:p>
             <a:fld id="{A96067C6-1D97-4125-BDF0-B33C18AFF0C3}" type="datetimeFigureOut">
               <a:rPr lang="pt-BR" smtClean="0"/>
-              <a:t>02/07/2025</a:t>
+              <a:t>14/07/2025</a:t>
             </a:fld>
             <a:endParaRPr lang="pt-BR"/>
           </a:p>
@@ -464,7 +469,7 @@
           <a:p>
             <a:fld id="{A96067C6-1D97-4125-BDF0-B33C18AFF0C3}" type="datetimeFigureOut">
               <a:rPr lang="pt-BR" smtClean="0"/>
-              <a:t>02/07/2025</a:t>
+              <a:t>14/07/2025</a:t>
             </a:fld>
             <a:endParaRPr lang="pt-BR"/>
           </a:p>
@@ -672,7 +677,7 @@
           <a:p>
             <a:fld id="{A96067C6-1D97-4125-BDF0-B33C18AFF0C3}" type="datetimeFigureOut">
               <a:rPr lang="pt-BR" smtClean="0"/>
-              <a:t>02/07/2025</a:t>
+              <a:t>14/07/2025</a:t>
             </a:fld>
             <a:endParaRPr lang="pt-BR"/>
           </a:p>
@@ -870,7 +875,7 @@
           <a:p>
             <a:fld id="{A96067C6-1D97-4125-BDF0-B33C18AFF0C3}" type="datetimeFigureOut">
               <a:rPr lang="pt-BR" smtClean="0"/>
-              <a:t>02/07/2025</a:t>
+              <a:t>14/07/2025</a:t>
             </a:fld>
             <a:endParaRPr lang="pt-BR"/>
           </a:p>
@@ -1145,7 +1150,7 @@
           <a:p>
             <a:fld id="{A96067C6-1D97-4125-BDF0-B33C18AFF0C3}" type="datetimeFigureOut">
               <a:rPr lang="pt-BR" smtClean="0"/>
-              <a:t>02/07/2025</a:t>
+              <a:t>14/07/2025</a:t>
             </a:fld>
             <a:endParaRPr lang="pt-BR"/>
           </a:p>
@@ -1410,7 +1415,7 @@
           <a:p>
             <a:fld id="{A96067C6-1D97-4125-BDF0-B33C18AFF0C3}" type="datetimeFigureOut">
               <a:rPr lang="pt-BR" smtClean="0"/>
-              <a:t>02/07/2025</a:t>
+              <a:t>14/07/2025</a:t>
             </a:fld>
             <a:endParaRPr lang="pt-BR"/>
           </a:p>
@@ -1822,7 +1827,7 @@
           <a:p>
             <a:fld id="{A96067C6-1D97-4125-BDF0-B33C18AFF0C3}" type="datetimeFigureOut">
               <a:rPr lang="pt-BR" smtClean="0"/>
-              <a:t>02/07/2025</a:t>
+              <a:t>14/07/2025</a:t>
             </a:fld>
             <a:endParaRPr lang="pt-BR"/>
           </a:p>
@@ -1963,7 +1968,7 @@
           <a:p>
             <a:fld id="{A96067C6-1D97-4125-BDF0-B33C18AFF0C3}" type="datetimeFigureOut">
               <a:rPr lang="pt-BR" smtClean="0"/>
-              <a:t>02/07/2025</a:t>
+              <a:t>14/07/2025</a:t>
             </a:fld>
             <a:endParaRPr lang="pt-BR"/>
           </a:p>
@@ -2076,7 +2081,7 @@
           <a:p>
             <a:fld id="{A96067C6-1D97-4125-BDF0-B33C18AFF0C3}" type="datetimeFigureOut">
               <a:rPr lang="pt-BR" smtClean="0"/>
-              <a:t>02/07/2025</a:t>
+              <a:t>14/07/2025</a:t>
             </a:fld>
             <a:endParaRPr lang="pt-BR"/>
           </a:p>
@@ -2387,7 +2392,7 @@
           <a:p>
             <a:fld id="{A96067C6-1D97-4125-BDF0-B33C18AFF0C3}" type="datetimeFigureOut">
               <a:rPr lang="pt-BR" smtClean="0"/>
-              <a:t>02/07/2025</a:t>
+              <a:t>14/07/2025</a:t>
             </a:fld>
             <a:endParaRPr lang="pt-BR"/>
           </a:p>
@@ -2675,7 +2680,7 @@
           <a:p>
             <a:fld id="{A96067C6-1D97-4125-BDF0-B33C18AFF0C3}" type="datetimeFigureOut">
               <a:rPr lang="pt-BR" smtClean="0"/>
-              <a:t>02/07/2025</a:t>
+              <a:t>14/07/2025</a:t>
             </a:fld>
             <a:endParaRPr lang="pt-BR"/>
           </a:p>
@@ -2916,7 +2921,7 @@
           <a:p>
             <a:fld id="{A96067C6-1D97-4125-BDF0-B33C18AFF0C3}" type="datetimeFigureOut">
               <a:rPr lang="pt-BR" smtClean="0"/>
-              <a:t>02/07/2025</a:t>
+              <a:t>14/07/2025</a:t>
             </a:fld>
             <a:endParaRPr lang="pt-BR"/>
           </a:p>
@@ -3351,6 +3356,3934 @@
         </p:nvSpPr>
         <p:spPr>
           <a:xfrm>
+            <a:off x="701965" y="477838"/>
+            <a:ext cx="11286836" cy="1011237"/>
+          </a:xfrm>
+        </p:spPr>
+        <p:txBody>
+          <a:bodyPr>
+            <a:normAutofit/>
+          </a:bodyPr>
+          <a:lstStyle/>
+          <a:p>
+            <a:pPr algn="ctr"/>
+            <a:r>
+              <a:rPr lang="pt-BR" dirty="0"/>
+              <a:t>Tech </a:t>
+            </a:r>
+            <a:r>
+              <a:rPr lang="pt-BR" dirty="0" err="1"/>
+              <a:t>Challange</a:t>
+            </a:r>
+            <a:r>
+              <a:rPr lang="pt-BR" dirty="0"/>
+              <a:t> II</a:t>
+            </a:r>
+          </a:p>
+        </p:txBody>
+      </p:sp>
+      <p:sp>
+        <p:nvSpPr>
+          <p:cNvPr id="40" name="CaixaDeTexto 39">
+            <a:extLst>
+              <a:ext uri="{FF2B5EF4-FFF2-40B4-BE49-F238E27FC236}">
+                <a16:creationId xmlns:a16="http://schemas.microsoft.com/office/drawing/2014/main" id="{435FC523-7799-40C5-BF56-74D65A99DF1F}"/>
+              </a:ext>
+            </a:extLst>
+          </p:cNvPr>
+          <p:cNvSpPr txBox="1"/>
+          <p:nvPr/>
+        </p:nvSpPr>
+        <p:spPr>
+          <a:xfrm>
+            <a:off x="2447635" y="2037277"/>
+            <a:ext cx="7629238" cy="1323439"/>
+          </a:xfrm>
+          <a:prstGeom prst="rect">
+            <a:avLst/>
+          </a:prstGeom>
+          <a:noFill/>
+        </p:spPr>
+        <p:txBody>
+          <a:bodyPr wrap="square">
+            <a:spAutoFit/>
+          </a:bodyPr>
+          <a:lstStyle/>
+          <a:p>
+            <a:r>
+              <a:rPr lang="pt-BR" sz="1600" b="1" dirty="0"/>
+              <a:t>Trabalho de pós graduação em Inteligência artificial para </a:t>
+            </a:r>
+            <a:r>
+              <a:rPr lang="pt-BR" sz="1600" b="1" dirty="0" err="1"/>
+              <a:t>DEVs</a:t>
+            </a:r>
+            <a:endParaRPr lang="pt-BR" sz="1600" b="1" dirty="0"/>
+          </a:p>
+          <a:p>
+            <a:endParaRPr lang="pt-BR" sz="1600" b="1" dirty="0"/>
+          </a:p>
+          <a:p>
+            <a:r>
+              <a:rPr lang="pt-BR" sz="1600" dirty="0"/>
+              <a:t>Instituição FIAP</a:t>
+            </a:r>
+            <a:br>
+              <a:rPr lang="pt-BR" sz="1600" dirty="0"/>
+            </a:br>
+            <a:br>
+              <a:rPr lang="pt-BR" sz="1600" dirty="0"/>
+            </a:br>
+            <a:r>
+              <a:rPr lang="pt-BR" sz="1600" dirty="0"/>
+              <a:t>Limite de entrega: Agosto de 2025</a:t>
+            </a:r>
+          </a:p>
+        </p:txBody>
+      </p:sp>
+    </p:spTree>
+    <p:extLst>
+      <p:ext uri="{BB962C8B-B14F-4D97-AF65-F5344CB8AC3E}">
+        <p14:creationId xmlns:p14="http://schemas.microsoft.com/office/powerpoint/2010/main" val="1275335373"/>
+      </p:ext>
+    </p:extLst>
+  </p:cSld>
+  <p:clrMapOvr>
+    <a:masterClrMapping/>
+  </p:clrMapOvr>
+</p:sld>
+</file>
+
+<file path=ppt/slides/slide10.xml><?xml version="1.0" encoding="utf-8"?>
+<p:sld xmlns:a="http://schemas.openxmlformats.org/drawingml/2006/main" xmlns:r="http://schemas.openxmlformats.org/officeDocument/2006/relationships" xmlns:p="http://schemas.openxmlformats.org/presentationml/2006/main">
+  <p:cSld>
+    <p:spTree>
+      <p:nvGrpSpPr>
+        <p:cNvPr id="1" name=""/>
+        <p:cNvGrpSpPr/>
+        <p:nvPr/>
+      </p:nvGrpSpPr>
+      <p:grpSpPr>
+        <a:xfrm>
+          <a:off x="0" y="0"/>
+          <a:ext cx="0" cy="0"/>
+          <a:chOff x="0" y="0"/>
+          <a:chExt cx="0" cy="0"/>
+        </a:xfrm>
+      </p:grpSpPr>
+      <p:sp>
+        <p:nvSpPr>
+          <p:cNvPr id="2" name="Título 1">
+            <a:extLst>
+              <a:ext uri="{FF2B5EF4-FFF2-40B4-BE49-F238E27FC236}">
+                <a16:creationId xmlns:a16="http://schemas.microsoft.com/office/drawing/2014/main" id="{1159F4F8-4F57-4E45-95E7-7C5AE43D5587}"/>
+              </a:ext>
+            </a:extLst>
+          </p:cNvPr>
+          <p:cNvSpPr>
+            <a:spLocks noGrp="1"/>
+          </p:cNvSpPr>
+          <p:nvPr>
+            <p:ph type="title"/>
+          </p:nvPr>
+        </p:nvSpPr>
+        <p:spPr/>
+        <p:txBody>
+          <a:bodyPr/>
+          <a:lstStyle/>
+          <a:p>
+            <a:r>
+              <a:rPr lang="pt-BR" dirty="0"/>
+              <a:t>Evoluções Futuras do Projeto</a:t>
+            </a:r>
+          </a:p>
+        </p:txBody>
+      </p:sp>
+      <p:sp>
+        <p:nvSpPr>
+          <p:cNvPr id="3" name="CaixaDeTexto 2">
+            <a:extLst>
+              <a:ext uri="{FF2B5EF4-FFF2-40B4-BE49-F238E27FC236}">
+                <a16:creationId xmlns:a16="http://schemas.microsoft.com/office/drawing/2014/main" id="{F106ECAA-3C08-474F-8ED7-D020A7693FA5}"/>
+              </a:ext>
+            </a:extLst>
+          </p:cNvPr>
+          <p:cNvSpPr txBox="1"/>
+          <p:nvPr/>
+        </p:nvSpPr>
+        <p:spPr>
+          <a:xfrm>
+            <a:off x="838200" y="2048932"/>
+            <a:ext cx="10405533" cy="1477328"/>
+          </a:xfrm>
+          <a:prstGeom prst="rect">
+            <a:avLst/>
+          </a:prstGeom>
+          <a:noFill/>
+        </p:spPr>
+        <p:txBody>
+          <a:bodyPr wrap="square" rtlCol="0">
+            <a:spAutoFit/>
+          </a:bodyPr>
+          <a:lstStyle/>
+          <a:p>
+            <a:r>
+              <a:rPr lang="pt-BR" dirty="0"/>
+              <a:t>Este projeto pode ser expandido para incluir o treinamento simultâneo de duas Inteligências Artificiais utilizando NEAT (</a:t>
+            </a:r>
+            <a:r>
+              <a:rPr lang="pt-BR" dirty="0" err="1"/>
+              <a:t>NeuroEvolution</a:t>
+            </a:r>
+            <a:r>
+              <a:rPr lang="pt-BR" dirty="0"/>
+              <a:t> </a:t>
+            </a:r>
+            <a:r>
+              <a:rPr lang="pt-BR" dirty="0" err="1"/>
+              <a:t>of</a:t>
+            </a:r>
+            <a:r>
+              <a:rPr lang="pt-BR" dirty="0"/>
+              <a:t> </a:t>
+            </a:r>
+            <a:r>
+              <a:rPr lang="pt-BR" dirty="0" err="1"/>
+              <a:t>Augmenting</a:t>
+            </a:r>
+            <a:r>
+              <a:rPr lang="pt-BR" dirty="0"/>
+              <a:t> </a:t>
+            </a:r>
+            <a:r>
+              <a:rPr lang="pt-BR" dirty="0" err="1"/>
+              <a:t>Topologies</a:t>
+            </a:r>
+            <a:r>
+              <a:rPr lang="pt-BR" dirty="0"/>
+              <a:t>). Assim, tanto os inimigos quanto o jogador seriam capazes de perceber o comportamento de seus oponentes e tomar decisões mais complexas, adaptando suas estratégias em tempo real de acordo com os movimentos do adversário.</a:t>
+            </a:r>
+          </a:p>
+          <a:p>
+            <a:endParaRPr lang="pt-BR" dirty="0"/>
+          </a:p>
+        </p:txBody>
+      </p:sp>
+    </p:spTree>
+    <p:extLst>
+      <p:ext uri="{BB962C8B-B14F-4D97-AF65-F5344CB8AC3E}">
+        <p14:creationId xmlns:p14="http://schemas.microsoft.com/office/powerpoint/2010/main" val="793195397"/>
+      </p:ext>
+    </p:extLst>
+  </p:cSld>
+  <p:clrMapOvr>
+    <a:masterClrMapping/>
+  </p:clrMapOvr>
+</p:sld>
+</file>
+
+<file path=ppt/slides/slide11.xml><?xml version="1.0" encoding="utf-8"?>
+<p:sld xmlns:a="http://schemas.openxmlformats.org/drawingml/2006/main" xmlns:r="http://schemas.openxmlformats.org/officeDocument/2006/relationships" xmlns:p="http://schemas.openxmlformats.org/presentationml/2006/main">
+  <p:cSld>
+    <p:spTree>
+      <p:nvGrpSpPr>
+        <p:cNvPr id="1" name=""/>
+        <p:cNvGrpSpPr/>
+        <p:nvPr/>
+      </p:nvGrpSpPr>
+      <p:grpSpPr>
+        <a:xfrm>
+          <a:off x="0" y="0"/>
+          <a:ext cx="0" cy="0"/>
+          <a:chOff x="0" y="0"/>
+          <a:chExt cx="0" cy="0"/>
+        </a:xfrm>
+      </p:grpSpPr>
+      <p:sp>
+        <p:nvSpPr>
+          <p:cNvPr id="2" name="Título 1">
+            <a:extLst>
+              <a:ext uri="{FF2B5EF4-FFF2-40B4-BE49-F238E27FC236}">
+                <a16:creationId xmlns:a16="http://schemas.microsoft.com/office/drawing/2014/main" id="{1159F4F8-4F57-4E45-95E7-7C5AE43D5587}"/>
+              </a:ext>
+            </a:extLst>
+          </p:cNvPr>
+          <p:cNvSpPr>
+            <a:spLocks noGrp="1"/>
+          </p:cNvSpPr>
+          <p:nvPr>
+            <p:ph type="title"/>
+          </p:nvPr>
+        </p:nvSpPr>
+        <p:spPr/>
+        <p:txBody>
+          <a:bodyPr/>
+          <a:lstStyle/>
+          <a:p>
+            <a:r>
+              <a:rPr lang="pt-BR" dirty="0"/>
+              <a:t>IA Genética é uma Solução Viável?</a:t>
+            </a:r>
+          </a:p>
+        </p:txBody>
+      </p:sp>
+      <p:sp>
+        <p:nvSpPr>
+          <p:cNvPr id="3" name="CaixaDeTexto 2">
+            <a:extLst>
+              <a:ext uri="{FF2B5EF4-FFF2-40B4-BE49-F238E27FC236}">
+                <a16:creationId xmlns:a16="http://schemas.microsoft.com/office/drawing/2014/main" id="{F106ECAA-3C08-474F-8ED7-D020A7693FA5}"/>
+              </a:ext>
+            </a:extLst>
+          </p:cNvPr>
+          <p:cNvSpPr txBox="1"/>
+          <p:nvPr/>
+        </p:nvSpPr>
+        <p:spPr>
+          <a:xfrm>
+            <a:off x="838200" y="1773488"/>
+            <a:ext cx="10405533" cy="4955203"/>
+          </a:xfrm>
+          <a:prstGeom prst="rect">
+            <a:avLst/>
+          </a:prstGeom>
+          <a:noFill/>
+        </p:spPr>
+        <p:txBody>
+          <a:bodyPr wrap="square" rtlCol="0">
+            <a:spAutoFit/>
+          </a:bodyPr>
+          <a:lstStyle/>
+          <a:p>
+            <a:r>
+              <a:rPr lang="pt-BR" sz="1400" b="1" dirty="0"/>
+              <a:t>O que otimizar?</a:t>
+            </a:r>
+            <a:br>
+              <a:rPr lang="pt-BR" sz="1400" dirty="0"/>
+            </a:br>
+            <a:r>
+              <a:rPr lang="pt-BR" sz="1400" dirty="0"/>
+              <a:t>	Maximizar inimigos abatidos e rapidez (mínimo de jogadas).</a:t>
+            </a:r>
+          </a:p>
+          <a:p>
+            <a:endParaRPr lang="pt-BR" sz="1400" dirty="0"/>
+          </a:p>
+          <a:p>
+            <a:r>
+              <a:rPr lang="pt-BR" sz="1400" b="1" dirty="0"/>
+              <a:t>Representação (genoma):</a:t>
+            </a:r>
+            <a:br>
+              <a:rPr lang="pt-BR" sz="1400" dirty="0"/>
+            </a:br>
+            <a:r>
+              <a:rPr lang="pt-BR" sz="1400" dirty="0"/>
+              <a:t>	Sequência de 700 genes (0=parar, 1=esq., 2=dir., 3=atirar).</a:t>
+            </a:r>
+          </a:p>
+          <a:p>
+            <a:endParaRPr lang="pt-BR" sz="1400" dirty="0"/>
+          </a:p>
+          <a:p>
+            <a:r>
+              <a:rPr lang="pt-BR" sz="1400" b="1" dirty="0"/>
+              <a:t>Função de fitness:</a:t>
+            </a:r>
+            <a:br>
+              <a:rPr lang="pt-BR" sz="1400" dirty="0"/>
+            </a:br>
+            <a:r>
+              <a:rPr lang="pt-BR" sz="1400" dirty="0"/>
+              <a:t>	Soma ponderada: abates, rapidez dos acertos e bônus por eficiência.</a:t>
+            </a:r>
+          </a:p>
+          <a:p>
+            <a:endParaRPr lang="pt-BR" sz="1400" dirty="0"/>
+          </a:p>
+          <a:p>
+            <a:r>
+              <a:rPr lang="pt-BR" sz="1400" b="1" dirty="0"/>
+              <a:t>Seleção:</a:t>
+            </a:r>
+            <a:br>
+              <a:rPr lang="pt-BR" sz="1400" dirty="0"/>
+            </a:br>
+            <a:r>
+              <a:rPr lang="pt-BR" sz="1400" dirty="0"/>
+              <a:t>	Torneio.</a:t>
+            </a:r>
+          </a:p>
+          <a:p>
+            <a:endParaRPr lang="pt-BR" sz="1400" dirty="0"/>
+          </a:p>
+          <a:p>
+            <a:r>
+              <a:rPr lang="pt-BR" sz="1400" b="1" dirty="0"/>
+              <a:t>Crossover:</a:t>
+            </a:r>
+            <a:br>
+              <a:rPr lang="pt-BR" sz="1400" dirty="0"/>
+            </a:br>
+            <a:r>
+              <a:rPr lang="pt-BR" sz="1400" dirty="0"/>
+              <a:t>	Um ponto fixo.</a:t>
+            </a:r>
+          </a:p>
+          <a:p>
+            <a:endParaRPr lang="pt-BR" sz="1400" dirty="0"/>
+          </a:p>
+          <a:p>
+            <a:r>
+              <a:rPr lang="pt-BR" sz="1400" b="1" dirty="0"/>
+              <a:t>Inicialização:</a:t>
+            </a:r>
+            <a:br>
+              <a:rPr lang="pt-BR" sz="1400" dirty="0"/>
+            </a:br>
+            <a:r>
+              <a:rPr lang="pt-BR" sz="1400" dirty="0"/>
+              <a:t>	Blocos de movimentos repetidos lateralmente, porém aleatórios + totalmente aleatórios.</a:t>
+            </a:r>
+          </a:p>
+          <a:p>
+            <a:endParaRPr lang="pt-BR" sz="1400" dirty="0"/>
+          </a:p>
+          <a:p>
+            <a:r>
+              <a:rPr lang="pt-BR" sz="1400" b="1" dirty="0"/>
+              <a:t>Critério de parada:</a:t>
+            </a:r>
+            <a:br>
+              <a:rPr lang="pt-BR" sz="1400" dirty="0"/>
+            </a:br>
+            <a:r>
+              <a:rPr lang="pt-BR" sz="1400" dirty="0"/>
+              <a:t>	Foi definido o numero de 200 gerações, mas poderia ser ao eliminar todos os inimigos.</a:t>
+            </a:r>
+          </a:p>
+          <a:p>
+            <a:endParaRPr lang="pt-BR" dirty="0"/>
+          </a:p>
+          <a:p>
+            <a:endParaRPr lang="pt-BR" dirty="0"/>
+          </a:p>
+        </p:txBody>
+      </p:sp>
+    </p:spTree>
+    <p:extLst>
+      <p:ext uri="{BB962C8B-B14F-4D97-AF65-F5344CB8AC3E}">
+        <p14:creationId xmlns:p14="http://schemas.microsoft.com/office/powerpoint/2010/main" val="1324432143"/>
+      </p:ext>
+    </p:extLst>
+  </p:cSld>
+  <p:clrMapOvr>
+    <a:masterClrMapping/>
+  </p:clrMapOvr>
+</p:sld>
+</file>
+
+<file path=ppt/slides/slide12.xml><?xml version="1.0" encoding="utf-8"?>
+<p:sld xmlns:a="http://schemas.openxmlformats.org/drawingml/2006/main" xmlns:r="http://schemas.openxmlformats.org/officeDocument/2006/relationships" xmlns:p="http://schemas.openxmlformats.org/presentationml/2006/main">
+  <p:cSld>
+    <p:spTree>
+      <p:nvGrpSpPr>
+        <p:cNvPr id="1" name=""/>
+        <p:cNvGrpSpPr/>
+        <p:nvPr/>
+      </p:nvGrpSpPr>
+      <p:grpSpPr>
+        <a:xfrm>
+          <a:off x="0" y="0"/>
+          <a:ext cx="0" cy="0"/>
+          <a:chOff x="0" y="0"/>
+          <a:chExt cx="0" cy="0"/>
+        </a:xfrm>
+      </p:grpSpPr>
+      <p:sp>
+        <p:nvSpPr>
+          <p:cNvPr id="2" name="Título 1">
+            <a:extLst>
+              <a:ext uri="{FF2B5EF4-FFF2-40B4-BE49-F238E27FC236}">
+                <a16:creationId xmlns:a16="http://schemas.microsoft.com/office/drawing/2014/main" id="{1159F4F8-4F57-4E45-95E7-7C5AE43D5587}"/>
+              </a:ext>
+            </a:extLst>
+          </p:cNvPr>
+          <p:cNvSpPr>
+            <a:spLocks noGrp="1"/>
+          </p:cNvSpPr>
+          <p:nvPr>
+            <p:ph type="title"/>
+          </p:nvPr>
+        </p:nvSpPr>
+        <p:spPr/>
+        <p:txBody>
+          <a:bodyPr/>
+          <a:lstStyle/>
+          <a:p>
+            <a:r>
+              <a:rPr lang="pt-BR" dirty="0"/>
+              <a:t>Problemas e soluções</a:t>
+            </a:r>
+          </a:p>
+        </p:txBody>
+      </p:sp>
+      <p:sp>
+        <p:nvSpPr>
+          <p:cNvPr id="6" name="CaixaDeTexto 5">
+            <a:extLst>
+              <a:ext uri="{FF2B5EF4-FFF2-40B4-BE49-F238E27FC236}">
+                <a16:creationId xmlns:a16="http://schemas.microsoft.com/office/drawing/2014/main" id="{E2508650-0878-448B-8385-536518D597EF}"/>
+              </a:ext>
+            </a:extLst>
+          </p:cNvPr>
+          <p:cNvSpPr txBox="1"/>
+          <p:nvPr/>
+        </p:nvSpPr>
+        <p:spPr>
+          <a:xfrm>
+            <a:off x="838199" y="2304994"/>
+            <a:ext cx="10762673" cy="3139321"/>
+          </a:xfrm>
+          <a:prstGeom prst="rect">
+            <a:avLst/>
+          </a:prstGeom>
+          <a:noFill/>
+        </p:spPr>
+        <p:txBody>
+          <a:bodyPr wrap="square">
+            <a:spAutoFit/>
+          </a:bodyPr>
+          <a:lstStyle/>
+          <a:p>
+            <a:pPr marL="0" marR="0" lvl="0" indent="0" algn="l" defTabSz="914400" rtl="0" eaLnBrk="0" fontAlgn="base" latinLnBrk="0" hangingPunct="0">
+              <a:lnSpc>
+                <a:spcPct val="100000"/>
+              </a:lnSpc>
+              <a:spcBef>
+                <a:spcPct val="0"/>
+              </a:spcBef>
+              <a:spcAft>
+                <a:spcPct val="0"/>
+              </a:spcAft>
+              <a:buClrTx/>
+              <a:buSzTx/>
+              <a:tabLst/>
+            </a:pPr>
+            <a:r>
+              <a:rPr kumimoji="0" lang="pt-BR" altLang="pt-BR" sz="1800" b="1" i="0" u="none" strike="noStrike" cap="none" normalizeH="0" baseline="0" dirty="0">
+                <a:ln>
+                  <a:noFill/>
+                </a:ln>
+                <a:solidFill>
+                  <a:schemeClr val="tx1"/>
+                </a:solidFill>
+                <a:effectLst/>
+                <a:latin typeface="Arial" panose="020B0604020202020204" pitchFamily="34" charset="0"/>
+              </a:rPr>
+              <a:t>Inimigos em movimento:</a:t>
+            </a:r>
+            <a:r>
+              <a:rPr kumimoji="0" lang="pt-BR" altLang="pt-BR" sz="1800" b="0" i="0" u="none" strike="noStrike" cap="none" normalizeH="0" baseline="0" dirty="0">
+                <a:ln>
+                  <a:noFill/>
+                </a:ln>
+                <a:solidFill>
+                  <a:schemeClr val="tx1"/>
+                </a:solidFill>
+                <a:effectLst/>
+                <a:latin typeface="Arial" panose="020B0604020202020204" pitchFamily="34" charset="0"/>
+              </a:rPr>
+              <a:t> solução ficou fácil, pois todos cruzavam o centro da tela.</a:t>
+            </a:r>
+          </a:p>
+          <a:p>
+            <a:pPr marL="0" marR="0" lvl="0" indent="0" algn="l" defTabSz="914400" rtl="0" eaLnBrk="0" fontAlgn="base" latinLnBrk="0" hangingPunct="0">
+              <a:lnSpc>
+                <a:spcPct val="100000"/>
+              </a:lnSpc>
+              <a:spcBef>
+                <a:spcPct val="0"/>
+              </a:spcBef>
+              <a:spcAft>
+                <a:spcPct val="0"/>
+              </a:spcAft>
+              <a:buClrTx/>
+              <a:buSzTx/>
+              <a:tabLst/>
+            </a:pPr>
+            <a:endParaRPr kumimoji="0" lang="pt-BR" altLang="pt-BR" sz="1800" b="0" i="0" u="none" strike="noStrike" cap="none" normalizeH="0" baseline="0" dirty="0">
+              <a:ln>
+                <a:noFill/>
+              </a:ln>
+              <a:solidFill>
+                <a:schemeClr val="tx1"/>
+              </a:solidFill>
+              <a:effectLst/>
+              <a:latin typeface="Arial" panose="020B0604020202020204" pitchFamily="34" charset="0"/>
+            </a:endParaRPr>
+          </a:p>
+          <a:p>
+            <a:pPr marL="0" marR="0" lvl="0" indent="0" algn="l" defTabSz="914400" rtl="0" eaLnBrk="0" fontAlgn="base" latinLnBrk="0" hangingPunct="0">
+              <a:lnSpc>
+                <a:spcPct val="100000"/>
+              </a:lnSpc>
+              <a:spcBef>
+                <a:spcPct val="0"/>
+              </a:spcBef>
+              <a:spcAft>
+                <a:spcPct val="0"/>
+              </a:spcAft>
+              <a:buClrTx/>
+              <a:buSzTx/>
+              <a:tabLst/>
+            </a:pPr>
+            <a:r>
+              <a:rPr kumimoji="0" lang="pt-BR" altLang="pt-BR" sz="1800" b="1" i="0" u="none" strike="noStrike" cap="none" normalizeH="0" baseline="0" dirty="0">
+                <a:ln>
+                  <a:noFill/>
+                </a:ln>
+                <a:solidFill>
+                  <a:schemeClr val="tx1"/>
+                </a:solidFill>
+                <a:effectLst/>
+                <a:latin typeface="Arial" panose="020B0604020202020204" pitchFamily="34" charset="0"/>
+              </a:rPr>
+              <a:t>Inimigos parados:</a:t>
+            </a:r>
+            <a:r>
+              <a:rPr kumimoji="0" lang="pt-BR" altLang="pt-BR" sz="1800" b="0" i="0" u="none" strike="noStrike" cap="none" normalizeH="0" baseline="0" dirty="0">
+                <a:ln>
+                  <a:noFill/>
+                </a:ln>
+                <a:solidFill>
+                  <a:schemeClr val="tx1"/>
+                </a:solidFill>
+                <a:effectLst/>
+                <a:latin typeface="Arial" panose="020B0604020202020204" pitchFamily="34" charset="0"/>
+              </a:rPr>
+              <a:t> o agente ficava preso em máximos locais, parando em um dos lados.</a:t>
+            </a:r>
+          </a:p>
+          <a:p>
+            <a:pPr marL="0" marR="0" lvl="0" indent="0" algn="l" defTabSz="914400" rtl="0" eaLnBrk="0" fontAlgn="base" latinLnBrk="0" hangingPunct="0">
+              <a:lnSpc>
+                <a:spcPct val="100000"/>
+              </a:lnSpc>
+              <a:spcBef>
+                <a:spcPct val="0"/>
+              </a:spcBef>
+              <a:spcAft>
+                <a:spcPct val="0"/>
+              </a:spcAft>
+              <a:buClrTx/>
+              <a:buSzTx/>
+              <a:tabLst/>
+            </a:pPr>
+            <a:endParaRPr lang="pt-BR" altLang="pt-BR" dirty="0">
+              <a:latin typeface="Arial" panose="020B0604020202020204" pitchFamily="34" charset="0"/>
+            </a:endParaRPr>
+          </a:p>
+          <a:p>
+            <a:pPr marL="0" marR="0" lvl="0" indent="0" algn="l" defTabSz="914400" rtl="0" eaLnBrk="0" fontAlgn="base" latinLnBrk="0" hangingPunct="0">
+              <a:lnSpc>
+                <a:spcPct val="100000"/>
+              </a:lnSpc>
+              <a:spcBef>
+                <a:spcPct val="0"/>
+              </a:spcBef>
+              <a:spcAft>
+                <a:spcPct val="0"/>
+              </a:spcAft>
+              <a:buClrTx/>
+              <a:buSzTx/>
+              <a:tabLst/>
+            </a:pPr>
+            <a:r>
+              <a:rPr lang="pt-BR" b="1" dirty="0"/>
+              <a:t>Inicializar o jogador em posição aleatória: </a:t>
+            </a:r>
+            <a:r>
+              <a:rPr lang="pt-BR" dirty="0"/>
+              <a:t>resolveria o problema de forma trivial, mas não promoveria um aprendizado mais aprofundado sobre a dinâmica do agente e as estratégias evolutivas.</a:t>
+            </a:r>
+          </a:p>
+          <a:p>
+            <a:pPr marL="0" marR="0" lvl="0" indent="0" algn="l" defTabSz="914400" rtl="0" eaLnBrk="0" fontAlgn="base" latinLnBrk="0" hangingPunct="0">
+              <a:lnSpc>
+                <a:spcPct val="100000"/>
+              </a:lnSpc>
+              <a:spcBef>
+                <a:spcPct val="0"/>
+              </a:spcBef>
+              <a:spcAft>
+                <a:spcPct val="0"/>
+              </a:spcAft>
+              <a:buClrTx/>
+              <a:buSzTx/>
+              <a:tabLst/>
+            </a:pPr>
+            <a:endParaRPr kumimoji="0" lang="pt-BR" altLang="pt-BR" sz="1800" b="1" i="0" u="none" strike="noStrike" cap="none" normalizeH="0" baseline="0" dirty="0">
+              <a:ln>
+                <a:noFill/>
+              </a:ln>
+              <a:solidFill>
+                <a:schemeClr val="tx1"/>
+              </a:solidFill>
+              <a:effectLst/>
+              <a:latin typeface="Arial" panose="020B0604020202020204" pitchFamily="34" charset="0"/>
+            </a:endParaRPr>
+          </a:p>
+          <a:p>
+            <a:pPr marL="0" marR="0" lvl="0" indent="0" algn="l" defTabSz="914400" rtl="0" eaLnBrk="0" fontAlgn="base" latinLnBrk="0" hangingPunct="0">
+              <a:lnSpc>
+                <a:spcPct val="100000"/>
+              </a:lnSpc>
+              <a:spcBef>
+                <a:spcPct val="0"/>
+              </a:spcBef>
+              <a:spcAft>
+                <a:spcPct val="0"/>
+              </a:spcAft>
+              <a:buClrTx/>
+              <a:buSzTx/>
+              <a:tabLst/>
+            </a:pPr>
+            <a:r>
+              <a:rPr kumimoji="0" lang="pt-BR" altLang="pt-BR" sz="1800" b="1" i="0" u="none" strike="noStrike" cap="none" normalizeH="0" baseline="0" dirty="0">
+                <a:ln>
+                  <a:noFill/>
+                </a:ln>
+                <a:solidFill>
+                  <a:schemeClr val="tx1"/>
+                </a:solidFill>
+                <a:effectLst/>
+                <a:latin typeface="Arial" panose="020B0604020202020204" pitchFamily="34" charset="0"/>
+              </a:rPr>
+              <a:t>Solução:</a:t>
+            </a:r>
+            <a:endParaRPr kumimoji="0" lang="pt-BR" altLang="pt-BR" sz="1800" b="0" i="0" u="none" strike="noStrike" cap="none" normalizeH="0" baseline="0" dirty="0">
+              <a:ln>
+                <a:noFill/>
+              </a:ln>
+              <a:solidFill>
+                <a:schemeClr val="tx1"/>
+              </a:solidFill>
+              <a:effectLst/>
+              <a:latin typeface="Arial" panose="020B0604020202020204" pitchFamily="34" charset="0"/>
+            </a:endParaRPr>
+          </a:p>
+          <a:p>
+            <a:pPr marL="0" marR="0" lvl="0" indent="0" algn="l" defTabSz="914400" rtl="0" eaLnBrk="0" fontAlgn="base" latinLnBrk="0" hangingPunct="0">
+              <a:lnSpc>
+                <a:spcPct val="100000"/>
+              </a:lnSpc>
+              <a:spcBef>
+                <a:spcPct val="0"/>
+              </a:spcBef>
+              <a:spcAft>
+                <a:spcPct val="0"/>
+              </a:spcAft>
+              <a:buClrTx/>
+              <a:buSzTx/>
+              <a:tabLst/>
+            </a:pPr>
+            <a:r>
+              <a:rPr kumimoji="0" lang="pt-BR" altLang="pt-BR" sz="1800" b="0" i="0" u="none" strike="noStrike" cap="none" normalizeH="0" baseline="0" dirty="0">
+                <a:ln>
+                  <a:noFill/>
+                </a:ln>
+                <a:solidFill>
+                  <a:schemeClr val="tx1"/>
+                </a:solidFill>
+                <a:effectLst/>
+                <a:latin typeface="Arial" panose="020B0604020202020204" pitchFamily="34" charset="0"/>
+              </a:rPr>
+              <a:t>	Utilização de blocos de movimentos laterais repetitivos na população inicial, simulando comportamento mais realista.</a:t>
+            </a:r>
+          </a:p>
+          <a:p>
+            <a:pPr marL="0" marR="0" lvl="0" indent="0" algn="l" defTabSz="914400" rtl="0" eaLnBrk="0" fontAlgn="base" latinLnBrk="0" hangingPunct="0">
+              <a:lnSpc>
+                <a:spcPct val="100000"/>
+              </a:lnSpc>
+              <a:spcBef>
+                <a:spcPct val="0"/>
+              </a:spcBef>
+              <a:spcAft>
+                <a:spcPct val="0"/>
+              </a:spcAft>
+              <a:buClrTx/>
+              <a:buSzTx/>
+              <a:tabLst/>
+            </a:pPr>
+            <a:r>
+              <a:rPr kumimoji="0" lang="pt-BR" altLang="pt-BR" sz="1800" b="0" i="0" u="none" strike="noStrike" cap="none" normalizeH="0" baseline="0" dirty="0">
+                <a:ln>
+                  <a:noFill/>
+                </a:ln>
+                <a:solidFill>
+                  <a:schemeClr val="tx1"/>
+                </a:solidFill>
+                <a:effectLst/>
+                <a:latin typeface="Arial" panose="020B0604020202020204" pitchFamily="34" charset="0"/>
+              </a:rPr>
+              <a:t>	Adoção da mesma lógica na mutação, o que aprimorou ainda mais a performance do agente.</a:t>
+            </a:r>
+          </a:p>
+        </p:txBody>
+      </p:sp>
+    </p:spTree>
+    <p:extLst>
+      <p:ext uri="{BB962C8B-B14F-4D97-AF65-F5344CB8AC3E}">
+        <p14:creationId xmlns:p14="http://schemas.microsoft.com/office/powerpoint/2010/main" val="2216287888"/>
+      </p:ext>
+    </p:extLst>
+  </p:cSld>
+  <p:clrMapOvr>
+    <a:masterClrMapping/>
+  </p:clrMapOvr>
+</p:sld>
+</file>
+
+<file path=ppt/slides/slide13.xml><?xml version="1.0" encoding="utf-8"?>
+<p:sld xmlns:a="http://schemas.openxmlformats.org/drawingml/2006/main" xmlns:r="http://schemas.openxmlformats.org/officeDocument/2006/relationships" xmlns:p="http://schemas.openxmlformats.org/presentationml/2006/main">
+  <p:cSld>
+    <p:spTree>
+      <p:nvGrpSpPr>
+        <p:cNvPr id="1" name=""/>
+        <p:cNvGrpSpPr/>
+        <p:nvPr/>
+      </p:nvGrpSpPr>
+      <p:grpSpPr>
+        <a:xfrm>
+          <a:off x="0" y="0"/>
+          <a:ext cx="0" cy="0"/>
+          <a:chOff x="0" y="0"/>
+          <a:chExt cx="0" cy="0"/>
+        </a:xfrm>
+      </p:grpSpPr>
+      <p:sp>
+        <p:nvSpPr>
+          <p:cNvPr id="2" name="Title 1"/>
+          <p:cNvSpPr>
+            <a:spLocks noGrp="1"/>
+          </p:cNvSpPr>
+          <p:nvPr>
+            <p:ph type="title"/>
+          </p:nvPr>
+        </p:nvSpPr>
+        <p:spPr/>
+        <p:txBody>
+          <a:bodyPr/>
+          <a:lstStyle/>
+          <a:p>
+            <a:r>
+              <a:rPr dirty="0" err="1"/>
+              <a:t>Conclusão</a:t>
+            </a:r>
+            <a:endParaRPr dirty="0"/>
+          </a:p>
+        </p:txBody>
+      </p:sp>
+      <p:sp>
+        <p:nvSpPr>
+          <p:cNvPr id="3" name="Content Placeholder 2"/>
+          <p:cNvSpPr>
+            <a:spLocks noGrp="1"/>
+          </p:cNvSpPr>
+          <p:nvPr>
+            <p:ph idx="1"/>
+          </p:nvPr>
+        </p:nvSpPr>
+        <p:spPr/>
+        <p:txBody>
+          <a:bodyPr/>
+          <a:lstStyle/>
+          <a:p>
+            <a:endParaRPr dirty="0"/>
+          </a:p>
+          <a:p>
+            <a:pPr algn="l">
+              <a:defRPr sz="1800">
+                <a:latin typeface="Calibri"/>
+              </a:defRPr>
+            </a:pPr>
+            <a:r>
+              <a:rPr dirty="0"/>
+              <a:t>• IA </a:t>
+            </a:r>
+            <a:r>
+              <a:rPr dirty="0" err="1"/>
+              <a:t>Genética</a:t>
+            </a:r>
+            <a:r>
+              <a:rPr dirty="0"/>
+              <a:t> </a:t>
+            </a:r>
+            <a:r>
+              <a:rPr dirty="0" err="1"/>
+              <a:t>mostrou</a:t>
+            </a:r>
+            <a:r>
+              <a:rPr dirty="0"/>
+              <a:t>-se </a:t>
+            </a:r>
+            <a:r>
+              <a:rPr dirty="0" err="1"/>
+              <a:t>eficaz</a:t>
+            </a:r>
+            <a:r>
+              <a:rPr dirty="0"/>
+              <a:t> para </a:t>
+            </a:r>
+            <a:r>
+              <a:rPr dirty="0" err="1"/>
+              <a:t>treinar</a:t>
+            </a:r>
+            <a:r>
+              <a:rPr dirty="0"/>
+              <a:t> </a:t>
+            </a:r>
+            <a:r>
+              <a:rPr dirty="0" err="1"/>
+              <a:t>agente</a:t>
+            </a:r>
+            <a:endParaRPr lang="pt-BR" dirty="0"/>
+          </a:p>
+          <a:p>
+            <a:pPr algn="l">
+              <a:defRPr sz="1800">
+                <a:latin typeface="Calibri"/>
+              </a:defRPr>
+            </a:pPr>
+            <a:br>
+              <a:rPr dirty="0"/>
+            </a:br>
+            <a:r>
+              <a:rPr dirty="0"/>
+              <a:t>• </a:t>
+            </a:r>
+            <a:r>
+              <a:rPr dirty="0" err="1"/>
+              <a:t>Estratégias</a:t>
+            </a:r>
+            <a:r>
+              <a:rPr dirty="0"/>
+              <a:t> de </a:t>
+            </a:r>
+            <a:r>
+              <a:rPr dirty="0" err="1"/>
+              <a:t>inicialização</a:t>
+            </a:r>
+            <a:r>
+              <a:rPr dirty="0"/>
+              <a:t> e </a:t>
+            </a:r>
+            <a:r>
+              <a:rPr dirty="0" err="1"/>
+              <a:t>mutação</a:t>
+            </a:r>
+            <a:r>
+              <a:rPr dirty="0"/>
+              <a:t> </a:t>
+            </a:r>
+            <a:r>
+              <a:rPr dirty="0" err="1"/>
+              <a:t>melhoraram</a:t>
+            </a:r>
+            <a:r>
+              <a:rPr dirty="0"/>
+              <a:t> </a:t>
+            </a:r>
+            <a:r>
+              <a:rPr dirty="0" err="1"/>
+              <a:t>desempenho</a:t>
+            </a:r>
+            <a:endParaRPr lang="pt-BR" dirty="0"/>
+          </a:p>
+          <a:p>
+            <a:pPr algn="l">
+              <a:defRPr sz="1800">
+                <a:latin typeface="Calibri"/>
+              </a:defRPr>
+            </a:pPr>
+            <a:br>
+              <a:rPr dirty="0"/>
+            </a:br>
+            <a:r>
+              <a:rPr dirty="0"/>
+              <a:t>• </a:t>
+            </a:r>
+            <a:r>
+              <a:rPr dirty="0" err="1"/>
+              <a:t>Problemas</a:t>
+            </a:r>
+            <a:r>
+              <a:rPr dirty="0"/>
+              <a:t> de </a:t>
+            </a:r>
+            <a:r>
+              <a:rPr dirty="0" err="1"/>
+              <a:t>máximos</a:t>
+            </a:r>
+            <a:r>
+              <a:rPr dirty="0"/>
+              <a:t> </a:t>
+            </a:r>
+            <a:r>
+              <a:rPr dirty="0" err="1"/>
+              <a:t>locais</a:t>
+            </a:r>
+            <a:r>
+              <a:rPr dirty="0"/>
+              <a:t> </a:t>
+            </a:r>
+            <a:r>
+              <a:rPr dirty="0" err="1"/>
+              <a:t>requerem</a:t>
+            </a:r>
+            <a:r>
+              <a:rPr dirty="0"/>
+              <a:t> </a:t>
+            </a:r>
+            <a:r>
+              <a:rPr dirty="0" err="1"/>
+              <a:t>mutações</a:t>
+            </a:r>
+            <a:r>
+              <a:rPr dirty="0"/>
+              <a:t> </a:t>
+            </a:r>
+            <a:r>
+              <a:rPr dirty="0" err="1"/>
+              <a:t>estruturadas</a:t>
+            </a:r>
+            <a:endParaRPr lang="pt-BR" dirty="0"/>
+          </a:p>
+          <a:p>
+            <a:pPr algn="l">
+              <a:defRPr sz="1800">
+                <a:latin typeface="Calibri"/>
+              </a:defRPr>
+            </a:pPr>
+            <a:br>
+              <a:rPr dirty="0"/>
+            </a:br>
+            <a:r>
+              <a:rPr dirty="0"/>
+              <a:t>• </a:t>
+            </a:r>
+            <a:r>
+              <a:rPr dirty="0" err="1"/>
+              <a:t>Próximos</a:t>
+            </a:r>
+            <a:r>
+              <a:rPr dirty="0"/>
+              <a:t> </a:t>
+            </a:r>
+            <a:r>
+              <a:rPr dirty="0" err="1"/>
+              <a:t>passos</a:t>
+            </a:r>
+            <a:r>
+              <a:rPr dirty="0"/>
+              <a:t> </a:t>
+            </a:r>
+            <a:r>
+              <a:rPr dirty="0" err="1"/>
+              <a:t>incluem</a:t>
+            </a:r>
+            <a:r>
+              <a:rPr dirty="0"/>
+              <a:t> testes </a:t>
+            </a:r>
+            <a:r>
+              <a:rPr dirty="0" err="1"/>
+              <a:t>mais</a:t>
+            </a:r>
+            <a:r>
+              <a:rPr dirty="0"/>
+              <a:t> </a:t>
+            </a:r>
+            <a:r>
+              <a:rPr dirty="0" err="1"/>
+              <a:t>avançados</a:t>
+            </a:r>
+            <a:r>
+              <a:rPr dirty="0"/>
+              <a:t> e </a:t>
+            </a:r>
+            <a:r>
+              <a:rPr dirty="0" err="1"/>
+              <a:t>ajustes</a:t>
+            </a:r>
+            <a:r>
+              <a:rPr dirty="0"/>
+              <a:t> </a:t>
+            </a:r>
+            <a:r>
+              <a:rPr dirty="0" err="1"/>
+              <a:t>finos</a:t>
+            </a:r>
+            <a:br>
+              <a:rPr dirty="0"/>
+            </a:br>
+            <a:endParaRPr dirty="0"/>
+          </a:p>
+        </p:txBody>
+      </p:sp>
+    </p:spTree>
+  </p:cSld>
+  <p:clrMapOvr>
+    <a:masterClrMapping/>
+  </p:clrMapOvr>
+</p:sld>
+</file>
+
+<file path=ppt/slides/slide2.xml><?xml version="1.0" encoding="utf-8"?>
+<p:sld xmlns:a="http://schemas.openxmlformats.org/drawingml/2006/main" xmlns:r="http://schemas.openxmlformats.org/officeDocument/2006/relationships" xmlns:p="http://schemas.openxmlformats.org/presentationml/2006/main">
+  <p:cSld>
+    <p:spTree>
+      <p:nvGrpSpPr>
+        <p:cNvPr id="1" name=""/>
+        <p:cNvGrpSpPr/>
+        <p:nvPr/>
+      </p:nvGrpSpPr>
+      <p:grpSpPr>
+        <a:xfrm>
+          <a:off x="0" y="0"/>
+          <a:ext cx="0" cy="0"/>
+          <a:chOff x="0" y="0"/>
+          <a:chExt cx="0" cy="0"/>
+        </a:xfrm>
+      </p:grpSpPr>
+      <p:sp>
+        <p:nvSpPr>
+          <p:cNvPr id="2" name="Título 1">
+            <a:extLst>
+              <a:ext uri="{FF2B5EF4-FFF2-40B4-BE49-F238E27FC236}">
+                <a16:creationId xmlns:a16="http://schemas.microsoft.com/office/drawing/2014/main" id="{9CC51775-3374-41BE-BFA9-7B34D25C1200}"/>
+              </a:ext>
+            </a:extLst>
+          </p:cNvPr>
+          <p:cNvSpPr>
+            <a:spLocks noGrp="1"/>
+          </p:cNvSpPr>
+          <p:nvPr>
+            <p:ph type="ctrTitle"/>
+          </p:nvPr>
+        </p:nvSpPr>
+        <p:spPr>
+          <a:xfrm>
+            <a:off x="701965" y="477838"/>
+            <a:ext cx="11286836" cy="1011237"/>
+          </a:xfrm>
+        </p:spPr>
+        <p:txBody>
+          <a:bodyPr>
+            <a:normAutofit fontScale="90000"/>
+          </a:bodyPr>
+          <a:lstStyle/>
+          <a:p>
+            <a:pPr algn="ctr"/>
+            <a:r>
+              <a:rPr lang="pt-BR" dirty="0"/>
+              <a:t>Tipos de Problemas em IA e Soluções</a:t>
+            </a:r>
+          </a:p>
+        </p:txBody>
+      </p:sp>
+      <p:sp>
+        <p:nvSpPr>
+          <p:cNvPr id="40" name="CaixaDeTexto 39">
+            <a:extLst>
+              <a:ext uri="{FF2B5EF4-FFF2-40B4-BE49-F238E27FC236}">
+                <a16:creationId xmlns:a16="http://schemas.microsoft.com/office/drawing/2014/main" id="{435FC523-7799-40C5-BF56-74D65A99DF1F}"/>
+              </a:ext>
+            </a:extLst>
+          </p:cNvPr>
+          <p:cNvSpPr txBox="1"/>
+          <p:nvPr/>
+        </p:nvSpPr>
+        <p:spPr>
+          <a:xfrm>
+            <a:off x="2447635" y="2037277"/>
+            <a:ext cx="7629238" cy="4278094"/>
+          </a:xfrm>
+          <a:prstGeom prst="rect">
+            <a:avLst/>
+          </a:prstGeom>
+          <a:noFill/>
+        </p:spPr>
+        <p:txBody>
+          <a:bodyPr wrap="square">
+            <a:spAutoFit/>
+          </a:bodyPr>
+          <a:lstStyle/>
+          <a:p>
+            <a:pPr>
+              <a:buFont typeface="Arial" panose="020B0604020202020204" pitchFamily="34" charset="0"/>
+              <a:buChar char="•"/>
+            </a:pPr>
+            <a:r>
+              <a:rPr lang="pt-BR" sz="1600" b="1" dirty="0"/>
+              <a:t>Classificação:</a:t>
+            </a:r>
+            <a:r>
+              <a:rPr lang="pt-BR" sz="1600" dirty="0"/>
+              <a:t> diagnóstico, imagens, spam</a:t>
+            </a:r>
+            <a:br>
+              <a:rPr lang="pt-BR" sz="1600" dirty="0"/>
+            </a:br>
+            <a:r>
+              <a:rPr lang="pt-BR" sz="1600" dirty="0"/>
+              <a:t>	</a:t>
+            </a:r>
+            <a:r>
+              <a:rPr lang="pt-BR" sz="1600" i="1" dirty="0"/>
+              <a:t>Soluções:</a:t>
+            </a:r>
+            <a:r>
+              <a:rPr lang="pt-BR" sz="1600" dirty="0"/>
+              <a:t> Redes neurais, árvores de decisão, SVM</a:t>
+            </a:r>
+          </a:p>
+          <a:p>
+            <a:endParaRPr lang="pt-BR" sz="1600" dirty="0"/>
+          </a:p>
+          <a:p>
+            <a:pPr>
+              <a:buFont typeface="Arial" panose="020B0604020202020204" pitchFamily="34" charset="0"/>
+              <a:buChar char="•"/>
+            </a:pPr>
+            <a:r>
+              <a:rPr lang="pt-BR" sz="1600" b="1" dirty="0"/>
+              <a:t>Regressão:</a:t>
+            </a:r>
+            <a:r>
+              <a:rPr lang="pt-BR" sz="1600" dirty="0"/>
+              <a:t> previsão de preços, demanda</a:t>
+            </a:r>
+            <a:br>
+              <a:rPr lang="pt-BR" sz="1600" dirty="0"/>
+            </a:br>
+            <a:r>
+              <a:rPr lang="pt-BR" sz="1600" dirty="0"/>
+              <a:t>	</a:t>
+            </a:r>
+            <a:r>
+              <a:rPr lang="pt-BR" sz="1600" i="1" dirty="0"/>
+              <a:t>Soluções:</a:t>
+            </a:r>
+            <a:r>
+              <a:rPr lang="pt-BR" sz="1600" dirty="0"/>
+              <a:t> Regressão, redes neurais, métodos bayesianos</a:t>
+            </a:r>
+          </a:p>
+          <a:p>
+            <a:endParaRPr lang="pt-BR" sz="1600" dirty="0"/>
+          </a:p>
+          <a:p>
+            <a:pPr>
+              <a:buFont typeface="Arial" panose="020B0604020202020204" pitchFamily="34" charset="0"/>
+              <a:buChar char="•"/>
+            </a:pPr>
+            <a:r>
+              <a:rPr lang="pt-BR" sz="1600" b="1" dirty="0"/>
+              <a:t>Agrupamento:</a:t>
+            </a:r>
+            <a:r>
+              <a:rPr lang="pt-BR" sz="1600" dirty="0"/>
+              <a:t> segmentação, padrões</a:t>
+            </a:r>
+            <a:br>
+              <a:rPr lang="pt-BR" sz="1600" dirty="0"/>
+            </a:br>
+            <a:r>
+              <a:rPr lang="pt-BR" sz="1600" dirty="0"/>
+              <a:t>	</a:t>
+            </a:r>
+            <a:r>
+              <a:rPr lang="pt-BR" sz="1600" i="1" dirty="0"/>
+              <a:t>Soluções:</a:t>
+            </a:r>
+            <a:r>
+              <a:rPr lang="pt-BR" sz="1600" dirty="0"/>
+              <a:t> K-</a:t>
+            </a:r>
+            <a:r>
+              <a:rPr lang="pt-BR" sz="1600" dirty="0" err="1"/>
+              <a:t>means</a:t>
+            </a:r>
+            <a:r>
+              <a:rPr lang="pt-BR" sz="1600" dirty="0"/>
+              <a:t>, DBSCAN, </a:t>
+            </a:r>
+            <a:r>
+              <a:rPr lang="pt-BR" sz="1600" dirty="0" err="1"/>
+              <a:t>clustering</a:t>
+            </a:r>
+            <a:r>
+              <a:rPr lang="pt-BR" sz="1600" dirty="0"/>
+              <a:t> hierárquico</a:t>
+            </a:r>
+          </a:p>
+          <a:p>
+            <a:pPr>
+              <a:buFont typeface="Arial" panose="020B0604020202020204" pitchFamily="34" charset="0"/>
+              <a:buChar char="•"/>
+            </a:pPr>
+            <a:endParaRPr lang="pt-BR" sz="1600" dirty="0"/>
+          </a:p>
+          <a:p>
+            <a:pPr>
+              <a:buFont typeface="Arial" panose="020B0604020202020204" pitchFamily="34" charset="0"/>
+              <a:buChar char="•"/>
+            </a:pPr>
+            <a:r>
+              <a:rPr lang="pt-BR" sz="1600" b="1" dirty="0"/>
+              <a:t>Busca/Otimização:</a:t>
+            </a:r>
+            <a:r>
+              <a:rPr lang="pt-BR" sz="1600" dirty="0"/>
+              <a:t> roteamento, recursos</a:t>
+            </a:r>
+          </a:p>
+          <a:p>
+            <a:pPr lvl="1"/>
+            <a:r>
+              <a:rPr lang="pt-BR" sz="1600" i="1" dirty="0"/>
+              <a:t>	Soluções:</a:t>
+            </a:r>
+            <a:r>
+              <a:rPr lang="pt-BR" sz="1600" dirty="0"/>
+              <a:t> </a:t>
+            </a:r>
+            <a:r>
+              <a:rPr lang="pt-BR" sz="1600" b="1" dirty="0"/>
+              <a:t>Algoritmos Genéticos (IA Genética)</a:t>
+            </a:r>
+            <a:endParaRPr lang="pt-BR" sz="1600" dirty="0"/>
+          </a:p>
+          <a:p>
+            <a:pPr lvl="1"/>
+            <a:endParaRPr lang="pt-BR" sz="1600" dirty="0"/>
+          </a:p>
+          <a:p>
+            <a:pPr>
+              <a:buFont typeface="Arial" panose="020B0604020202020204" pitchFamily="34" charset="0"/>
+              <a:buChar char="•"/>
+            </a:pPr>
+            <a:r>
+              <a:rPr lang="pt-BR" sz="1600" b="1" dirty="0"/>
+              <a:t>Planejamento/Controle:</a:t>
+            </a:r>
+            <a:r>
+              <a:rPr lang="pt-BR" sz="1600" dirty="0"/>
+              <a:t> robótica, jogos</a:t>
+            </a:r>
+            <a:br>
+              <a:rPr lang="pt-BR" sz="1600" dirty="0"/>
+            </a:br>
+            <a:r>
+              <a:rPr lang="pt-BR" sz="1600" dirty="0"/>
+              <a:t>	</a:t>
+            </a:r>
+            <a:r>
+              <a:rPr lang="pt-BR" sz="1600" i="1" dirty="0"/>
+              <a:t>Soluções:</a:t>
+            </a:r>
+            <a:r>
+              <a:rPr lang="pt-BR" sz="1600" dirty="0"/>
+              <a:t> </a:t>
+            </a:r>
+            <a:r>
+              <a:rPr lang="pt-BR" sz="1600" b="1" dirty="0"/>
+              <a:t>Algoritmos Genéticos (IA Genética)</a:t>
+            </a:r>
+            <a:r>
+              <a:rPr lang="pt-BR" sz="1600" dirty="0"/>
+              <a:t>, reforço, especialistas</a:t>
+            </a:r>
+          </a:p>
+          <a:p>
+            <a:pPr>
+              <a:buFont typeface="Arial" panose="020B0604020202020204" pitchFamily="34" charset="0"/>
+              <a:buChar char="•"/>
+            </a:pPr>
+            <a:endParaRPr lang="pt-BR" sz="1600" dirty="0"/>
+          </a:p>
+          <a:p>
+            <a:pPr>
+              <a:buFont typeface="Arial" panose="020B0604020202020204" pitchFamily="34" charset="0"/>
+              <a:buChar char="•"/>
+            </a:pPr>
+            <a:r>
+              <a:rPr lang="pt-BR" sz="1600" b="1" dirty="0"/>
+              <a:t>NLP:</a:t>
+            </a:r>
+            <a:r>
+              <a:rPr lang="pt-BR" sz="1600" dirty="0"/>
+              <a:t> tradução, sentimentos, </a:t>
+            </a:r>
+            <a:r>
+              <a:rPr lang="pt-BR" sz="1600" dirty="0" err="1"/>
+              <a:t>chatbots</a:t>
+            </a:r>
+            <a:br>
+              <a:rPr lang="pt-BR" sz="1600" dirty="0"/>
+            </a:br>
+            <a:r>
+              <a:rPr lang="pt-BR" sz="1600" dirty="0"/>
+              <a:t>	</a:t>
+            </a:r>
+            <a:r>
+              <a:rPr lang="pt-BR" sz="1600" i="1" dirty="0"/>
+              <a:t>Soluções:</a:t>
+            </a:r>
+            <a:r>
+              <a:rPr lang="pt-BR" sz="1600" dirty="0"/>
+              <a:t> RNN, transformers, análise semântica</a:t>
+            </a:r>
+          </a:p>
+        </p:txBody>
+      </p:sp>
+    </p:spTree>
+    <p:extLst>
+      <p:ext uri="{BB962C8B-B14F-4D97-AF65-F5344CB8AC3E}">
+        <p14:creationId xmlns:p14="http://schemas.microsoft.com/office/powerpoint/2010/main" val="3099890814"/>
+      </p:ext>
+    </p:extLst>
+  </p:cSld>
+  <p:clrMapOvr>
+    <a:masterClrMapping/>
+  </p:clrMapOvr>
+</p:sld>
+</file>
+
+<file path=ppt/slides/slide3.xml><?xml version="1.0" encoding="utf-8"?>
+<p:sld xmlns:a="http://schemas.openxmlformats.org/drawingml/2006/main" xmlns:r="http://schemas.openxmlformats.org/officeDocument/2006/relationships" xmlns:p="http://schemas.openxmlformats.org/presentationml/2006/main">
+  <p:cSld>
+    <p:spTree>
+      <p:nvGrpSpPr>
+        <p:cNvPr id="1" name=""/>
+        <p:cNvGrpSpPr/>
+        <p:nvPr/>
+      </p:nvGrpSpPr>
+      <p:grpSpPr>
+        <a:xfrm>
+          <a:off x="0" y="0"/>
+          <a:ext cx="0" cy="0"/>
+          <a:chOff x="0" y="0"/>
+          <a:chExt cx="0" cy="0"/>
+        </a:xfrm>
+      </p:grpSpPr>
+      <p:sp>
+        <p:nvSpPr>
+          <p:cNvPr id="2" name="Título 1">
+            <a:extLst>
+              <a:ext uri="{FF2B5EF4-FFF2-40B4-BE49-F238E27FC236}">
+                <a16:creationId xmlns:a16="http://schemas.microsoft.com/office/drawing/2014/main" id="{9CC51775-3374-41BE-BFA9-7B34D25C1200}"/>
+              </a:ext>
+            </a:extLst>
+          </p:cNvPr>
+          <p:cNvSpPr>
+            <a:spLocks noGrp="1"/>
+          </p:cNvSpPr>
+          <p:nvPr>
+            <p:ph type="ctrTitle"/>
+          </p:nvPr>
+        </p:nvSpPr>
+        <p:spPr>
+          <a:xfrm>
+            <a:off x="2963333" y="477838"/>
+            <a:ext cx="5960533" cy="1011237"/>
+          </a:xfrm>
+        </p:spPr>
+        <p:txBody>
+          <a:bodyPr/>
+          <a:lstStyle/>
+          <a:p>
+            <a:r>
+              <a:rPr lang="pt-BR" dirty="0"/>
+              <a:t>IA Genética</a:t>
+            </a:r>
+          </a:p>
+        </p:txBody>
+      </p:sp>
+      <p:grpSp>
+        <p:nvGrpSpPr>
+          <p:cNvPr id="51" name="Agrupar 50">
+            <a:extLst>
+              <a:ext uri="{FF2B5EF4-FFF2-40B4-BE49-F238E27FC236}">
+                <a16:creationId xmlns:a16="http://schemas.microsoft.com/office/drawing/2014/main" id="{AF4D33B3-C8A4-4446-8711-25EC95D799B3}"/>
+              </a:ext>
+            </a:extLst>
+          </p:cNvPr>
+          <p:cNvGrpSpPr/>
+          <p:nvPr/>
+        </p:nvGrpSpPr>
+        <p:grpSpPr>
+          <a:xfrm>
+            <a:off x="279402" y="1947335"/>
+            <a:ext cx="6491426" cy="3793065"/>
+            <a:chOff x="279402" y="1947335"/>
+            <a:chExt cx="6491426" cy="3793065"/>
+          </a:xfrm>
+        </p:grpSpPr>
+        <p:sp>
+          <p:nvSpPr>
+            <p:cNvPr id="6" name="Retângulo 5">
+              <a:extLst>
+                <a:ext uri="{FF2B5EF4-FFF2-40B4-BE49-F238E27FC236}">
+                  <a16:creationId xmlns:a16="http://schemas.microsoft.com/office/drawing/2014/main" id="{8DA28190-46E1-410F-B844-46C7495C4205}"/>
+                </a:ext>
+              </a:extLst>
+            </p:cNvPr>
+            <p:cNvSpPr/>
+            <p:nvPr/>
+          </p:nvSpPr>
+          <p:spPr>
+            <a:xfrm>
+              <a:off x="1167077" y="1947335"/>
+              <a:ext cx="2687460" cy="257521"/>
+            </a:xfrm>
+            <a:prstGeom prst="rect">
+              <a:avLst/>
+            </a:prstGeom>
+          </p:spPr>
+          <p:style>
+            <a:lnRef idx="2">
+              <a:schemeClr val="accent1">
+                <a:shade val="50000"/>
+              </a:schemeClr>
+            </a:lnRef>
+            <a:fillRef idx="1">
+              <a:schemeClr val="accent1"/>
+            </a:fillRef>
+            <a:effectRef idx="0">
+              <a:schemeClr val="accent1"/>
+            </a:effectRef>
+            <a:fontRef idx="minor">
+              <a:schemeClr val="lt1"/>
+            </a:fontRef>
+          </p:style>
+          <p:txBody>
+            <a:bodyPr rtlCol="0" anchor="ctr"/>
+            <a:lstStyle/>
+            <a:p>
+              <a:pPr algn="ctr"/>
+              <a:r>
+                <a:rPr lang="pt-BR" dirty="0"/>
+                <a:t>Iniciar indivíduos</a:t>
+              </a:r>
+            </a:p>
+          </p:txBody>
+        </p:sp>
+        <p:sp>
+          <p:nvSpPr>
+            <p:cNvPr id="8" name="Retângulo 7">
+              <a:extLst>
+                <a:ext uri="{FF2B5EF4-FFF2-40B4-BE49-F238E27FC236}">
+                  <a16:creationId xmlns:a16="http://schemas.microsoft.com/office/drawing/2014/main" id="{E5596BE5-85B8-465F-A7FA-6A9E8A3B74D6}"/>
+                </a:ext>
+              </a:extLst>
+            </p:cNvPr>
+            <p:cNvSpPr/>
+            <p:nvPr/>
+          </p:nvSpPr>
+          <p:spPr>
+            <a:xfrm>
+              <a:off x="1167076" y="2419456"/>
+              <a:ext cx="2687460" cy="257521"/>
+            </a:xfrm>
+            <a:prstGeom prst="rect">
+              <a:avLst/>
+            </a:prstGeom>
+          </p:spPr>
+          <p:style>
+            <a:lnRef idx="2">
+              <a:schemeClr val="accent1">
+                <a:shade val="50000"/>
+              </a:schemeClr>
+            </a:lnRef>
+            <a:fillRef idx="1">
+              <a:schemeClr val="accent1"/>
+            </a:fillRef>
+            <a:effectRef idx="0">
+              <a:schemeClr val="accent1"/>
+            </a:effectRef>
+            <a:fontRef idx="minor">
+              <a:schemeClr val="lt1"/>
+            </a:fontRef>
+          </p:style>
+          <p:txBody>
+            <a:bodyPr rtlCol="0" anchor="ctr"/>
+            <a:lstStyle/>
+            <a:p>
+              <a:pPr algn="ctr"/>
+              <a:r>
+                <a:rPr lang="pt-BR" dirty="0"/>
+                <a:t>População</a:t>
+              </a:r>
+            </a:p>
+          </p:txBody>
+        </p:sp>
+        <p:sp>
+          <p:nvSpPr>
+            <p:cNvPr id="9" name="Retângulo 8">
+              <a:extLst>
+                <a:ext uri="{FF2B5EF4-FFF2-40B4-BE49-F238E27FC236}">
+                  <a16:creationId xmlns:a16="http://schemas.microsoft.com/office/drawing/2014/main" id="{0DA022CE-C3C7-46E4-A5AA-C4AC6CBE50F0}"/>
+                </a:ext>
+              </a:extLst>
+            </p:cNvPr>
+            <p:cNvSpPr/>
+            <p:nvPr/>
+          </p:nvSpPr>
+          <p:spPr>
+            <a:xfrm>
+              <a:off x="1167077" y="2891577"/>
+              <a:ext cx="2687460" cy="257521"/>
+            </a:xfrm>
+            <a:prstGeom prst="rect">
+              <a:avLst/>
+            </a:prstGeom>
+          </p:spPr>
+          <p:style>
+            <a:lnRef idx="2">
+              <a:schemeClr val="accent1">
+                <a:shade val="50000"/>
+              </a:schemeClr>
+            </a:lnRef>
+            <a:fillRef idx="1">
+              <a:schemeClr val="accent1"/>
+            </a:fillRef>
+            <a:effectRef idx="0">
+              <a:schemeClr val="accent1"/>
+            </a:effectRef>
+            <a:fontRef idx="minor">
+              <a:schemeClr val="lt1"/>
+            </a:fontRef>
+          </p:style>
+          <p:txBody>
+            <a:bodyPr rtlCol="0" anchor="ctr"/>
+            <a:lstStyle/>
+            <a:p>
+              <a:pPr algn="ctr"/>
+              <a:r>
+                <a:rPr lang="pt-BR" dirty="0"/>
+                <a:t>Avaliar população (Fitness)</a:t>
+              </a:r>
+            </a:p>
+          </p:txBody>
+        </p:sp>
+        <p:sp>
+          <p:nvSpPr>
+            <p:cNvPr id="10" name="Retângulo 9">
+              <a:extLst>
+                <a:ext uri="{FF2B5EF4-FFF2-40B4-BE49-F238E27FC236}">
+                  <a16:creationId xmlns:a16="http://schemas.microsoft.com/office/drawing/2014/main" id="{48256002-1982-4E41-B8D4-B134307B90EA}"/>
+                </a:ext>
+              </a:extLst>
+            </p:cNvPr>
+            <p:cNvSpPr/>
+            <p:nvPr/>
+          </p:nvSpPr>
+          <p:spPr>
+            <a:xfrm>
+              <a:off x="1167075" y="4107650"/>
+              <a:ext cx="2687460" cy="257521"/>
+            </a:xfrm>
+            <a:prstGeom prst="rect">
+              <a:avLst/>
+            </a:prstGeom>
+          </p:spPr>
+          <p:style>
+            <a:lnRef idx="2">
+              <a:schemeClr val="accent1">
+                <a:shade val="50000"/>
+              </a:schemeClr>
+            </a:lnRef>
+            <a:fillRef idx="1">
+              <a:schemeClr val="accent1"/>
+            </a:fillRef>
+            <a:effectRef idx="0">
+              <a:schemeClr val="accent1"/>
+            </a:effectRef>
+            <a:fontRef idx="minor">
+              <a:schemeClr val="lt1"/>
+            </a:fontRef>
+          </p:style>
+          <p:txBody>
+            <a:bodyPr rtlCol="0" anchor="ctr"/>
+            <a:lstStyle/>
+            <a:p>
+              <a:pPr algn="ctr"/>
+              <a:r>
+                <a:rPr lang="pt-BR" dirty="0"/>
+                <a:t>Selecionar pais</a:t>
+              </a:r>
+            </a:p>
+          </p:txBody>
+        </p:sp>
+        <p:sp>
+          <p:nvSpPr>
+            <p:cNvPr id="11" name="Retângulo 10">
+              <a:extLst>
+                <a:ext uri="{FF2B5EF4-FFF2-40B4-BE49-F238E27FC236}">
+                  <a16:creationId xmlns:a16="http://schemas.microsoft.com/office/drawing/2014/main" id="{5E359EBB-5ACC-486C-AC06-E18156870703}"/>
+                </a:ext>
+              </a:extLst>
+            </p:cNvPr>
+            <p:cNvSpPr/>
+            <p:nvPr/>
+          </p:nvSpPr>
+          <p:spPr>
+            <a:xfrm>
+              <a:off x="1175216" y="4586033"/>
+              <a:ext cx="2687460" cy="257521"/>
+            </a:xfrm>
+            <a:prstGeom prst="rect">
+              <a:avLst/>
+            </a:prstGeom>
+          </p:spPr>
+          <p:style>
+            <a:lnRef idx="2">
+              <a:schemeClr val="accent1">
+                <a:shade val="50000"/>
+              </a:schemeClr>
+            </a:lnRef>
+            <a:fillRef idx="1">
+              <a:schemeClr val="accent1"/>
+            </a:fillRef>
+            <a:effectRef idx="0">
+              <a:schemeClr val="accent1"/>
+            </a:effectRef>
+            <a:fontRef idx="minor">
+              <a:schemeClr val="lt1"/>
+            </a:fontRef>
+          </p:style>
+          <p:txBody>
+            <a:bodyPr rtlCol="0" anchor="ctr"/>
+            <a:lstStyle/>
+            <a:p>
+              <a:pPr algn="ctr"/>
+              <a:r>
+                <a:rPr lang="pt-BR" dirty="0"/>
+                <a:t>Reprodução</a:t>
+              </a:r>
+            </a:p>
+          </p:txBody>
+        </p:sp>
+        <p:sp>
+          <p:nvSpPr>
+            <p:cNvPr id="12" name="Retângulo 11">
+              <a:extLst>
+                <a:ext uri="{FF2B5EF4-FFF2-40B4-BE49-F238E27FC236}">
+                  <a16:creationId xmlns:a16="http://schemas.microsoft.com/office/drawing/2014/main" id="{4D74E3AB-0992-4702-9421-F5520B90D6CA}"/>
+                </a:ext>
+              </a:extLst>
+            </p:cNvPr>
+            <p:cNvSpPr/>
+            <p:nvPr/>
+          </p:nvSpPr>
+          <p:spPr>
+            <a:xfrm>
+              <a:off x="2567809" y="5059938"/>
+              <a:ext cx="2687460" cy="257521"/>
+            </a:xfrm>
+            <a:prstGeom prst="rect">
+              <a:avLst/>
+            </a:prstGeom>
+          </p:spPr>
+          <p:style>
+            <a:lnRef idx="2">
+              <a:schemeClr val="accent1">
+                <a:shade val="50000"/>
+              </a:schemeClr>
+            </a:lnRef>
+            <a:fillRef idx="1">
+              <a:schemeClr val="accent1"/>
+            </a:fillRef>
+            <a:effectRef idx="0">
+              <a:schemeClr val="accent1"/>
+            </a:effectRef>
+            <a:fontRef idx="minor">
+              <a:schemeClr val="lt1"/>
+            </a:fontRef>
+          </p:style>
+          <p:txBody>
+            <a:bodyPr rtlCol="0" anchor="ctr"/>
+            <a:lstStyle/>
+            <a:p>
+              <a:pPr algn="ctr"/>
+              <a:r>
+                <a:rPr lang="pt-BR" dirty="0"/>
+                <a:t>Mutação</a:t>
+              </a:r>
+            </a:p>
+          </p:txBody>
+        </p:sp>
+        <p:sp>
+          <p:nvSpPr>
+            <p:cNvPr id="7" name="Losango 6">
+              <a:extLst>
+                <a:ext uri="{FF2B5EF4-FFF2-40B4-BE49-F238E27FC236}">
+                  <a16:creationId xmlns:a16="http://schemas.microsoft.com/office/drawing/2014/main" id="{4BAA6AEE-797C-47A2-9511-5F31668A98A5}"/>
+                </a:ext>
+              </a:extLst>
+            </p:cNvPr>
+            <p:cNvSpPr/>
+            <p:nvPr/>
+          </p:nvSpPr>
+          <p:spPr>
+            <a:xfrm>
+              <a:off x="654009" y="3367276"/>
+              <a:ext cx="3762448" cy="522195"/>
+            </a:xfrm>
+            <a:prstGeom prst="diamond">
+              <a:avLst/>
+            </a:prstGeom>
+          </p:spPr>
+          <p:style>
+            <a:lnRef idx="2">
+              <a:schemeClr val="accent1">
+                <a:shade val="50000"/>
+              </a:schemeClr>
+            </a:lnRef>
+            <a:fillRef idx="1">
+              <a:schemeClr val="accent1"/>
+            </a:fillRef>
+            <a:effectRef idx="0">
+              <a:schemeClr val="accent1"/>
+            </a:effectRef>
+            <a:fontRef idx="minor">
+              <a:schemeClr val="lt1"/>
+            </a:fontRef>
+          </p:style>
+          <p:txBody>
+            <a:bodyPr rtlCol="0" anchor="ctr"/>
+            <a:lstStyle/>
+            <a:p>
+              <a:pPr algn="ctr"/>
+              <a:r>
+                <a:rPr lang="pt-BR" dirty="0"/>
+                <a:t>Critério de parada</a:t>
+              </a:r>
+            </a:p>
+          </p:txBody>
+        </p:sp>
+        <p:cxnSp>
+          <p:nvCxnSpPr>
+            <p:cNvPr id="18" name="Conector de Seta Reta 17">
+              <a:extLst>
+                <a:ext uri="{FF2B5EF4-FFF2-40B4-BE49-F238E27FC236}">
+                  <a16:creationId xmlns:a16="http://schemas.microsoft.com/office/drawing/2014/main" id="{061E11C4-27BA-47F1-93A0-4416F8F1EFCF}"/>
+                </a:ext>
+              </a:extLst>
+            </p:cNvPr>
+            <p:cNvCxnSpPr>
+              <a:cxnSpLocks/>
+            </p:cNvCxnSpPr>
+            <p:nvPr/>
+          </p:nvCxnSpPr>
+          <p:spPr>
+            <a:xfrm>
+              <a:off x="2510805" y="2233468"/>
+              <a:ext cx="2" cy="157373"/>
+            </a:xfrm>
+            <a:prstGeom prst="straightConnector1">
+              <a:avLst/>
+            </a:prstGeom>
+            <a:ln>
+              <a:tailEnd type="triangle"/>
+            </a:ln>
+          </p:spPr>
+          <p:style>
+            <a:lnRef idx="1">
+              <a:schemeClr val="accent1"/>
+            </a:lnRef>
+            <a:fillRef idx="0">
+              <a:schemeClr val="accent1"/>
+            </a:fillRef>
+            <a:effectRef idx="0">
+              <a:schemeClr val="accent1"/>
+            </a:effectRef>
+            <a:fontRef idx="minor">
+              <a:schemeClr val="tx1"/>
+            </a:fontRef>
+          </p:style>
+        </p:cxnSp>
+        <p:cxnSp>
+          <p:nvCxnSpPr>
+            <p:cNvPr id="19" name="Conector de Seta Reta 18">
+              <a:extLst>
+                <a:ext uri="{FF2B5EF4-FFF2-40B4-BE49-F238E27FC236}">
+                  <a16:creationId xmlns:a16="http://schemas.microsoft.com/office/drawing/2014/main" id="{C1111ED0-0A9D-4E23-A2B1-1FA54295D69A}"/>
+                </a:ext>
+              </a:extLst>
+            </p:cNvPr>
+            <p:cNvCxnSpPr>
+              <a:cxnSpLocks/>
+            </p:cNvCxnSpPr>
+            <p:nvPr/>
+          </p:nvCxnSpPr>
+          <p:spPr>
+            <a:xfrm>
+              <a:off x="2518946" y="2705596"/>
+              <a:ext cx="2" cy="157373"/>
+            </a:xfrm>
+            <a:prstGeom prst="straightConnector1">
+              <a:avLst/>
+            </a:prstGeom>
+            <a:ln>
+              <a:tailEnd type="triangle"/>
+            </a:ln>
+          </p:spPr>
+          <p:style>
+            <a:lnRef idx="1">
+              <a:schemeClr val="accent1"/>
+            </a:lnRef>
+            <a:fillRef idx="0">
+              <a:schemeClr val="accent1"/>
+            </a:fillRef>
+            <a:effectRef idx="0">
+              <a:schemeClr val="accent1"/>
+            </a:effectRef>
+            <a:fontRef idx="minor">
+              <a:schemeClr val="tx1"/>
+            </a:fontRef>
+          </p:style>
+        </p:cxnSp>
+        <p:cxnSp>
+          <p:nvCxnSpPr>
+            <p:cNvPr id="20" name="Conector de Seta Reta 19">
+              <a:extLst>
+                <a:ext uri="{FF2B5EF4-FFF2-40B4-BE49-F238E27FC236}">
+                  <a16:creationId xmlns:a16="http://schemas.microsoft.com/office/drawing/2014/main" id="{CAA37A8A-D979-48DD-BA04-1BF7C5343EAE}"/>
+                </a:ext>
+              </a:extLst>
+            </p:cNvPr>
+            <p:cNvCxnSpPr>
+              <a:cxnSpLocks/>
+            </p:cNvCxnSpPr>
+            <p:nvPr/>
+          </p:nvCxnSpPr>
+          <p:spPr>
+            <a:xfrm>
+              <a:off x="2518943" y="3177710"/>
+              <a:ext cx="2" cy="157373"/>
+            </a:xfrm>
+            <a:prstGeom prst="straightConnector1">
+              <a:avLst/>
+            </a:prstGeom>
+            <a:ln>
+              <a:tailEnd type="triangle"/>
+            </a:ln>
+          </p:spPr>
+          <p:style>
+            <a:lnRef idx="1">
+              <a:schemeClr val="accent1"/>
+            </a:lnRef>
+            <a:fillRef idx="0">
+              <a:schemeClr val="accent1"/>
+            </a:fillRef>
+            <a:effectRef idx="0">
+              <a:schemeClr val="accent1"/>
+            </a:effectRef>
+            <a:fontRef idx="minor">
+              <a:schemeClr val="tx1"/>
+            </a:fontRef>
+          </p:style>
+        </p:cxnSp>
+        <p:cxnSp>
+          <p:nvCxnSpPr>
+            <p:cNvPr id="21" name="Conector de Seta Reta 20">
+              <a:extLst>
+                <a:ext uri="{FF2B5EF4-FFF2-40B4-BE49-F238E27FC236}">
+                  <a16:creationId xmlns:a16="http://schemas.microsoft.com/office/drawing/2014/main" id="{185B5BC9-9192-4CB4-8332-1107D61CD2A1}"/>
+                </a:ext>
+              </a:extLst>
+            </p:cNvPr>
+            <p:cNvCxnSpPr>
+              <a:cxnSpLocks/>
+            </p:cNvCxnSpPr>
+            <p:nvPr/>
+          </p:nvCxnSpPr>
+          <p:spPr>
+            <a:xfrm>
+              <a:off x="2518948" y="3921657"/>
+              <a:ext cx="2" cy="157373"/>
+            </a:xfrm>
+            <a:prstGeom prst="straightConnector1">
+              <a:avLst/>
+            </a:prstGeom>
+            <a:ln>
+              <a:tailEnd type="triangle"/>
+            </a:ln>
+          </p:spPr>
+          <p:style>
+            <a:lnRef idx="1">
+              <a:schemeClr val="accent1"/>
+            </a:lnRef>
+            <a:fillRef idx="0">
+              <a:schemeClr val="accent1"/>
+            </a:fillRef>
+            <a:effectRef idx="0">
+              <a:schemeClr val="accent1"/>
+            </a:effectRef>
+            <a:fontRef idx="minor">
+              <a:schemeClr val="tx1"/>
+            </a:fontRef>
+          </p:style>
+        </p:cxnSp>
+        <p:cxnSp>
+          <p:nvCxnSpPr>
+            <p:cNvPr id="22" name="Conector de Seta Reta 21">
+              <a:extLst>
+                <a:ext uri="{FF2B5EF4-FFF2-40B4-BE49-F238E27FC236}">
+                  <a16:creationId xmlns:a16="http://schemas.microsoft.com/office/drawing/2014/main" id="{A0FCF484-91FA-4975-AC70-1037BD250B92}"/>
+                </a:ext>
+              </a:extLst>
+            </p:cNvPr>
+            <p:cNvCxnSpPr>
+              <a:cxnSpLocks/>
+            </p:cNvCxnSpPr>
+            <p:nvPr/>
+          </p:nvCxnSpPr>
+          <p:spPr>
+            <a:xfrm>
+              <a:off x="2518946" y="4393785"/>
+              <a:ext cx="2" cy="157373"/>
+            </a:xfrm>
+            <a:prstGeom prst="straightConnector1">
+              <a:avLst/>
+            </a:prstGeom>
+            <a:ln>
+              <a:tailEnd type="triangle"/>
+            </a:ln>
+          </p:spPr>
+          <p:style>
+            <a:lnRef idx="1">
+              <a:schemeClr val="accent1"/>
+            </a:lnRef>
+            <a:fillRef idx="0">
+              <a:schemeClr val="accent1"/>
+            </a:fillRef>
+            <a:effectRef idx="0">
+              <a:schemeClr val="accent1"/>
+            </a:effectRef>
+            <a:fontRef idx="minor">
+              <a:schemeClr val="tx1"/>
+            </a:fontRef>
+          </p:style>
+        </p:cxnSp>
+        <p:cxnSp>
+          <p:nvCxnSpPr>
+            <p:cNvPr id="23" name="Conector de Seta Reta 22">
+              <a:extLst>
+                <a:ext uri="{FF2B5EF4-FFF2-40B4-BE49-F238E27FC236}">
+                  <a16:creationId xmlns:a16="http://schemas.microsoft.com/office/drawing/2014/main" id="{A5FCC56C-8DC1-4071-9FE2-0F654B8A6FA5}"/>
+                </a:ext>
+              </a:extLst>
+            </p:cNvPr>
+            <p:cNvCxnSpPr>
+              <a:cxnSpLocks/>
+            </p:cNvCxnSpPr>
+            <p:nvPr/>
+          </p:nvCxnSpPr>
+          <p:spPr>
+            <a:xfrm>
+              <a:off x="3113443" y="4873063"/>
+              <a:ext cx="2" cy="157373"/>
+            </a:xfrm>
+            <a:prstGeom prst="straightConnector1">
+              <a:avLst/>
+            </a:prstGeom>
+            <a:ln>
+              <a:tailEnd type="triangle"/>
+            </a:ln>
+          </p:spPr>
+          <p:style>
+            <a:lnRef idx="1">
+              <a:schemeClr val="accent1"/>
+            </a:lnRef>
+            <a:fillRef idx="0">
+              <a:schemeClr val="accent1"/>
+            </a:fillRef>
+            <a:effectRef idx="0">
+              <a:schemeClr val="accent1"/>
+            </a:effectRef>
+            <a:fontRef idx="minor">
+              <a:schemeClr val="tx1"/>
+            </a:fontRef>
+          </p:style>
+        </p:cxnSp>
+        <p:cxnSp>
+          <p:nvCxnSpPr>
+            <p:cNvPr id="25" name="Conector de Seta Reta 24">
+              <a:extLst>
+                <a:ext uri="{FF2B5EF4-FFF2-40B4-BE49-F238E27FC236}">
+                  <a16:creationId xmlns:a16="http://schemas.microsoft.com/office/drawing/2014/main" id="{52684F79-051A-4F6C-B70F-966171191C52}"/>
+                </a:ext>
+              </a:extLst>
+            </p:cNvPr>
+            <p:cNvCxnSpPr>
+              <a:cxnSpLocks/>
+            </p:cNvCxnSpPr>
+            <p:nvPr/>
+          </p:nvCxnSpPr>
+          <p:spPr>
+            <a:xfrm>
+              <a:off x="2071042" y="4873063"/>
+              <a:ext cx="0" cy="650953"/>
+            </a:xfrm>
+            <a:prstGeom prst="straightConnector1">
+              <a:avLst/>
+            </a:prstGeom>
+            <a:ln>
+              <a:tailEnd type="triangle"/>
+            </a:ln>
+          </p:spPr>
+          <p:style>
+            <a:lnRef idx="1">
+              <a:schemeClr val="accent1"/>
+            </a:lnRef>
+            <a:fillRef idx="0">
+              <a:schemeClr val="accent1"/>
+            </a:fillRef>
+            <a:effectRef idx="0">
+              <a:schemeClr val="accent1"/>
+            </a:effectRef>
+            <a:fontRef idx="minor">
+              <a:schemeClr val="tx1"/>
+            </a:fontRef>
+          </p:style>
+        </p:cxnSp>
+        <p:cxnSp>
+          <p:nvCxnSpPr>
+            <p:cNvPr id="27" name="Conector de Seta Reta 26">
+              <a:extLst>
+                <a:ext uri="{FF2B5EF4-FFF2-40B4-BE49-F238E27FC236}">
+                  <a16:creationId xmlns:a16="http://schemas.microsoft.com/office/drawing/2014/main" id="{E9D93AE3-0775-4406-A43D-0122953946AF}"/>
+                </a:ext>
+              </a:extLst>
+            </p:cNvPr>
+            <p:cNvCxnSpPr>
+              <a:cxnSpLocks/>
+            </p:cNvCxnSpPr>
+            <p:nvPr/>
+          </p:nvCxnSpPr>
+          <p:spPr>
+            <a:xfrm>
+              <a:off x="3113441" y="5366642"/>
+              <a:ext cx="2" cy="157373"/>
+            </a:xfrm>
+            <a:prstGeom prst="straightConnector1">
+              <a:avLst/>
+            </a:prstGeom>
+            <a:ln>
+              <a:tailEnd type="triangle"/>
+            </a:ln>
+          </p:spPr>
+          <p:style>
+            <a:lnRef idx="1">
+              <a:schemeClr val="accent1"/>
+            </a:lnRef>
+            <a:fillRef idx="0">
+              <a:schemeClr val="accent1"/>
+            </a:fillRef>
+            <a:effectRef idx="0">
+              <a:schemeClr val="accent1"/>
+            </a:effectRef>
+            <a:fontRef idx="minor">
+              <a:schemeClr val="tx1"/>
+            </a:fontRef>
+          </p:style>
+        </p:cxnSp>
+        <p:sp>
+          <p:nvSpPr>
+            <p:cNvPr id="29" name="Retângulo: Cantos Arredondados 28">
+              <a:extLst>
+                <a:ext uri="{FF2B5EF4-FFF2-40B4-BE49-F238E27FC236}">
+                  <a16:creationId xmlns:a16="http://schemas.microsoft.com/office/drawing/2014/main" id="{2DE15849-DA3D-4779-A01D-E27F8F7FB654}"/>
+                </a:ext>
+              </a:extLst>
+            </p:cNvPr>
+            <p:cNvSpPr/>
+            <p:nvPr/>
+          </p:nvSpPr>
+          <p:spPr>
+            <a:xfrm>
+              <a:off x="1786007" y="5524015"/>
+              <a:ext cx="1588042" cy="216385"/>
+            </a:xfrm>
+            <a:prstGeom prst="roundRect">
+              <a:avLst/>
+            </a:prstGeom>
+          </p:spPr>
+          <p:style>
+            <a:lnRef idx="2">
+              <a:schemeClr val="accent1">
+                <a:shade val="50000"/>
+              </a:schemeClr>
+            </a:lnRef>
+            <a:fillRef idx="1">
+              <a:schemeClr val="accent1"/>
+            </a:fillRef>
+            <a:effectRef idx="0">
+              <a:schemeClr val="accent1"/>
+            </a:effectRef>
+            <a:fontRef idx="minor">
+              <a:schemeClr val="lt1"/>
+            </a:fontRef>
+          </p:style>
+          <p:txBody>
+            <a:bodyPr rtlCol="0" anchor="ctr"/>
+            <a:lstStyle/>
+            <a:p>
+              <a:pPr algn="ctr"/>
+              <a:endParaRPr lang="pt-BR"/>
+            </a:p>
+          </p:txBody>
+        </p:sp>
+        <p:cxnSp>
+          <p:nvCxnSpPr>
+            <p:cNvPr id="31" name="Conector: Angulado 30">
+              <a:extLst>
+                <a:ext uri="{FF2B5EF4-FFF2-40B4-BE49-F238E27FC236}">
+                  <a16:creationId xmlns:a16="http://schemas.microsoft.com/office/drawing/2014/main" id="{03E1068B-C871-4483-8955-1FC6C2C06D80}"/>
+                </a:ext>
+              </a:extLst>
+            </p:cNvPr>
+            <p:cNvCxnSpPr>
+              <a:cxnSpLocks/>
+              <a:stCxn id="29" idx="1"/>
+            </p:cNvCxnSpPr>
+            <p:nvPr/>
+          </p:nvCxnSpPr>
+          <p:spPr>
+            <a:xfrm rot="10800000">
+              <a:off x="279403" y="2548216"/>
+              <a:ext cx="1506605" cy="3083991"/>
+            </a:xfrm>
+            <a:prstGeom prst="bentConnector2">
+              <a:avLst/>
+            </a:prstGeom>
+            <a:ln>
+              <a:tailEnd type="triangle"/>
+            </a:ln>
+          </p:spPr>
+          <p:style>
+            <a:lnRef idx="1">
+              <a:schemeClr val="accent1"/>
+            </a:lnRef>
+            <a:fillRef idx="0">
+              <a:schemeClr val="accent1"/>
+            </a:fillRef>
+            <a:effectRef idx="0">
+              <a:schemeClr val="accent1"/>
+            </a:effectRef>
+            <a:fontRef idx="minor">
+              <a:schemeClr val="tx1"/>
+            </a:fontRef>
+          </p:style>
+        </p:cxnSp>
+        <p:cxnSp>
+          <p:nvCxnSpPr>
+            <p:cNvPr id="33" name="Conector de Seta Reta 32">
+              <a:extLst>
+                <a:ext uri="{FF2B5EF4-FFF2-40B4-BE49-F238E27FC236}">
+                  <a16:creationId xmlns:a16="http://schemas.microsoft.com/office/drawing/2014/main" id="{DF81E1DA-66CA-47AE-86DC-6C1272B7A182}"/>
+                </a:ext>
+              </a:extLst>
+            </p:cNvPr>
+            <p:cNvCxnSpPr>
+              <a:cxnSpLocks/>
+            </p:cNvCxnSpPr>
+            <p:nvPr/>
+          </p:nvCxnSpPr>
+          <p:spPr>
+            <a:xfrm>
+              <a:off x="279402" y="2548216"/>
+              <a:ext cx="895814" cy="0"/>
+            </a:xfrm>
+            <a:prstGeom prst="straightConnector1">
+              <a:avLst/>
+            </a:prstGeom>
+            <a:ln>
+              <a:tailEnd type="triangle"/>
+            </a:ln>
+          </p:spPr>
+          <p:style>
+            <a:lnRef idx="1">
+              <a:schemeClr val="accent1"/>
+            </a:lnRef>
+            <a:fillRef idx="0">
+              <a:schemeClr val="accent1"/>
+            </a:fillRef>
+            <a:effectRef idx="0">
+              <a:schemeClr val="accent1"/>
+            </a:effectRef>
+            <a:fontRef idx="minor">
+              <a:schemeClr val="tx1"/>
+            </a:fontRef>
+          </p:style>
+        </p:cxnSp>
+        <p:cxnSp>
+          <p:nvCxnSpPr>
+            <p:cNvPr id="37" name="Conector de Seta Reta 36">
+              <a:extLst>
+                <a:ext uri="{FF2B5EF4-FFF2-40B4-BE49-F238E27FC236}">
+                  <a16:creationId xmlns:a16="http://schemas.microsoft.com/office/drawing/2014/main" id="{6B594154-E196-4A03-9F82-1E7B263EBDF3}"/>
+                </a:ext>
+              </a:extLst>
+            </p:cNvPr>
+            <p:cNvCxnSpPr>
+              <a:cxnSpLocks/>
+              <a:stCxn id="7" idx="3"/>
+            </p:cNvCxnSpPr>
+            <p:nvPr/>
+          </p:nvCxnSpPr>
+          <p:spPr>
+            <a:xfrm flipV="1">
+              <a:off x="4416457" y="3628373"/>
+              <a:ext cx="570410" cy="1"/>
+            </a:xfrm>
+            <a:prstGeom prst="straightConnector1">
+              <a:avLst/>
+            </a:prstGeom>
+            <a:ln>
+              <a:tailEnd type="triangle"/>
+            </a:ln>
+          </p:spPr>
+          <p:style>
+            <a:lnRef idx="1">
+              <a:schemeClr val="accent1"/>
+            </a:lnRef>
+            <a:fillRef idx="0">
+              <a:schemeClr val="accent1"/>
+            </a:fillRef>
+            <a:effectRef idx="0">
+              <a:schemeClr val="accent1"/>
+            </a:effectRef>
+            <a:fontRef idx="minor">
+              <a:schemeClr val="tx1"/>
+            </a:fontRef>
+          </p:style>
+        </p:cxnSp>
+        <p:sp>
+          <p:nvSpPr>
+            <p:cNvPr id="38" name="Elipse 37">
+              <a:extLst>
+                <a:ext uri="{FF2B5EF4-FFF2-40B4-BE49-F238E27FC236}">
+                  <a16:creationId xmlns:a16="http://schemas.microsoft.com/office/drawing/2014/main" id="{F7D5222C-0774-455F-BEE4-C17608DA8A43}"/>
+                </a:ext>
+              </a:extLst>
+            </p:cNvPr>
+            <p:cNvSpPr/>
+            <p:nvPr/>
+          </p:nvSpPr>
+          <p:spPr>
+            <a:xfrm>
+              <a:off x="5116369" y="3272767"/>
+              <a:ext cx="1654459" cy="715910"/>
+            </a:xfrm>
+            <a:prstGeom prst="ellipse">
+              <a:avLst/>
+            </a:prstGeom>
+          </p:spPr>
+          <p:style>
+            <a:lnRef idx="2">
+              <a:schemeClr val="accent1">
+                <a:shade val="50000"/>
+              </a:schemeClr>
+            </a:lnRef>
+            <a:fillRef idx="1">
+              <a:schemeClr val="accent1"/>
+            </a:fillRef>
+            <a:effectRef idx="0">
+              <a:schemeClr val="accent1"/>
+            </a:effectRef>
+            <a:fontRef idx="minor">
+              <a:schemeClr val="lt1"/>
+            </a:fontRef>
+          </p:style>
+          <p:txBody>
+            <a:bodyPr rtlCol="0" anchor="ctr"/>
+            <a:lstStyle/>
+            <a:p>
+              <a:pPr algn="ctr"/>
+              <a:r>
+                <a:rPr lang="pt-BR" dirty="0"/>
+                <a:t>Resultado</a:t>
+              </a:r>
+            </a:p>
+          </p:txBody>
+        </p:sp>
+      </p:grpSp>
+      <p:sp>
+        <p:nvSpPr>
+          <p:cNvPr id="42" name="CaixaDeTexto 41">
+            <a:extLst>
+              <a:ext uri="{FF2B5EF4-FFF2-40B4-BE49-F238E27FC236}">
+                <a16:creationId xmlns:a16="http://schemas.microsoft.com/office/drawing/2014/main" id="{43B059D6-ABB5-4A51-8FD8-5B8E6B2F9B9E}"/>
+              </a:ext>
+            </a:extLst>
+          </p:cNvPr>
+          <p:cNvSpPr txBox="1"/>
+          <p:nvPr/>
+        </p:nvSpPr>
+        <p:spPr>
+          <a:xfrm>
+            <a:off x="6681951" y="5010374"/>
+            <a:ext cx="4272003" cy="369332"/>
+          </a:xfrm>
+          <a:prstGeom prst="rect">
+            <a:avLst/>
+          </a:prstGeom>
+          <a:noFill/>
+        </p:spPr>
+        <p:txBody>
+          <a:bodyPr wrap="none" rtlCol="0">
+            <a:spAutoFit/>
+          </a:bodyPr>
+          <a:lstStyle/>
+          <a:p>
+            <a:r>
+              <a:rPr lang="pt-BR" dirty="0"/>
+              <a:t>4⁷⁰⁰ = (um número com mais de 400 zeros!)</a:t>
+            </a:r>
+          </a:p>
+        </p:txBody>
+      </p:sp>
+      <p:sp>
+        <p:nvSpPr>
+          <p:cNvPr id="44" name="CaixaDeTexto 43">
+            <a:extLst>
+              <a:ext uri="{FF2B5EF4-FFF2-40B4-BE49-F238E27FC236}">
+                <a16:creationId xmlns:a16="http://schemas.microsoft.com/office/drawing/2014/main" id="{DB8DB7EA-AA49-453B-9290-8DFF927A28DE}"/>
+              </a:ext>
+            </a:extLst>
+          </p:cNvPr>
+          <p:cNvSpPr txBox="1"/>
+          <p:nvPr/>
+        </p:nvSpPr>
+        <p:spPr>
+          <a:xfrm>
+            <a:off x="6639617" y="5504013"/>
+            <a:ext cx="4495845" cy="430887"/>
+          </a:xfrm>
+          <a:prstGeom prst="rect">
+            <a:avLst/>
+          </a:prstGeom>
+          <a:noFill/>
+        </p:spPr>
+        <p:txBody>
+          <a:bodyPr wrap="square">
+            <a:spAutoFit/>
+          </a:bodyPr>
+          <a:lstStyle/>
+          <a:p>
+            <a:r>
+              <a:rPr lang="pt-BR" sz="1050" dirty="0"/>
+              <a:t>Se cada átomo do universo pudesse tentar um caminho diferente por segundo, o universo teria acabado antes de explorar todas as possibilidades desse jogo</a:t>
+            </a:r>
+          </a:p>
+        </p:txBody>
+      </p:sp>
+      <p:graphicFrame>
+        <p:nvGraphicFramePr>
+          <p:cNvPr id="45" name="Tabela 45">
+            <a:extLst>
+              <a:ext uri="{FF2B5EF4-FFF2-40B4-BE49-F238E27FC236}">
+                <a16:creationId xmlns:a16="http://schemas.microsoft.com/office/drawing/2014/main" id="{669D415F-EC80-488C-93C1-DD89533CD2DD}"/>
+              </a:ext>
+            </a:extLst>
+          </p:cNvPr>
+          <p:cNvGraphicFramePr>
+            <a:graphicFrameLocks noGrp="1"/>
+          </p:cNvGraphicFramePr>
+          <p:nvPr>
+            <p:extLst>
+              <p:ext uri="{D42A27DB-BD31-4B8C-83A1-F6EECF244321}">
+                <p14:modId xmlns:p14="http://schemas.microsoft.com/office/powerpoint/2010/main" val="2983446720"/>
+              </p:ext>
+            </p:extLst>
+          </p:nvPr>
+        </p:nvGraphicFramePr>
+        <p:xfrm>
+          <a:off x="7417661" y="1947799"/>
+          <a:ext cx="1775790" cy="365760"/>
+        </p:xfrm>
+        <a:graphic>
+          <a:graphicData uri="http://schemas.openxmlformats.org/drawingml/2006/table">
+            <a:tbl>
+              <a:tblPr firstRow="1" bandRow="1">
+                <a:tableStyleId>{F5AB1C69-6EDB-4FF4-983F-18BD219EF322}</a:tableStyleId>
+              </a:tblPr>
+              <a:tblGrid>
+                <a:gridCol w="355158">
+                  <a:extLst>
+                    <a:ext uri="{9D8B030D-6E8A-4147-A177-3AD203B41FA5}">
+                      <a16:colId xmlns:a16="http://schemas.microsoft.com/office/drawing/2014/main" val="3161155790"/>
+                    </a:ext>
+                  </a:extLst>
+                </a:gridCol>
+                <a:gridCol w="355158">
+                  <a:extLst>
+                    <a:ext uri="{9D8B030D-6E8A-4147-A177-3AD203B41FA5}">
+                      <a16:colId xmlns:a16="http://schemas.microsoft.com/office/drawing/2014/main" val="2382013146"/>
+                    </a:ext>
+                  </a:extLst>
+                </a:gridCol>
+                <a:gridCol w="355158">
+                  <a:extLst>
+                    <a:ext uri="{9D8B030D-6E8A-4147-A177-3AD203B41FA5}">
+                      <a16:colId xmlns:a16="http://schemas.microsoft.com/office/drawing/2014/main" val="640605832"/>
+                    </a:ext>
+                  </a:extLst>
+                </a:gridCol>
+                <a:gridCol w="355158">
+                  <a:extLst>
+                    <a:ext uri="{9D8B030D-6E8A-4147-A177-3AD203B41FA5}">
+                      <a16:colId xmlns:a16="http://schemas.microsoft.com/office/drawing/2014/main" val="3893896809"/>
+                    </a:ext>
+                  </a:extLst>
+                </a:gridCol>
+                <a:gridCol w="355158">
+                  <a:extLst>
+                    <a:ext uri="{9D8B030D-6E8A-4147-A177-3AD203B41FA5}">
+                      <a16:colId xmlns:a16="http://schemas.microsoft.com/office/drawing/2014/main" val="2405545493"/>
+                    </a:ext>
+                  </a:extLst>
+                </a:gridCol>
+              </a:tblGrid>
+              <a:tr h="265989">
+                <a:tc>
+                  <a:txBody>
+                    <a:bodyPr/>
+                    <a:lstStyle/>
+                    <a:p>
+                      <a:r>
+                        <a:rPr lang="pt-BR" dirty="0"/>
+                        <a:t>→</a:t>
+                      </a:r>
+                    </a:p>
+                  </a:txBody>
+                  <a:tcPr>
+                    <a:solidFill>
+                      <a:schemeClr val="accent5">
+                        <a:lumMod val="60000"/>
+                        <a:lumOff val="40000"/>
+                      </a:schemeClr>
+                    </a:solidFill>
+                  </a:tcPr>
+                </a:tc>
+                <a:tc>
+                  <a:txBody>
+                    <a:bodyPr/>
+                    <a:lstStyle/>
+                    <a:p>
+                      <a:r>
+                        <a:rPr lang="pt-BR" dirty="0"/>
+                        <a:t>→</a:t>
+                      </a:r>
+                    </a:p>
+                  </a:txBody>
+                  <a:tcPr>
+                    <a:solidFill>
+                      <a:schemeClr val="accent5">
+                        <a:lumMod val="60000"/>
+                        <a:lumOff val="40000"/>
+                      </a:schemeClr>
+                    </a:solidFill>
+                  </a:tcPr>
+                </a:tc>
+                <a:tc>
+                  <a:txBody>
+                    <a:bodyPr/>
+                    <a:lstStyle/>
+                    <a:p>
+                      <a:r>
+                        <a:rPr lang="pt-BR" dirty="0"/>
+                        <a:t>→</a:t>
+                      </a:r>
+                    </a:p>
+                  </a:txBody>
+                  <a:tcPr>
+                    <a:solidFill>
+                      <a:schemeClr val="accent5">
+                        <a:lumMod val="60000"/>
+                        <a:lumOff val="40000"/>
+                      </a:schemeClr>
+                    </a:solidFill>
+                  </a:tcPr>
+                </a:tc>
+                <a:tc>
+                  <a:txBody>
+                    <a:bodyPr/>
+                    <a:lstStyle/>
+                    <a:p>
+                      <a:r>
+                        <a:rPr lang="pt-BR" dirty="0"/>
+                        <a:t>↑</a:t>
+                      </a:r>
+                    </a:p>
+                  </a:txBody>
+                  <a:tcPr>
+                    <a:solidFill>
+                      <a:schemeClr val="accent5">
+                        <a:lumMod val="60000"/>
+                        <a:lumOff val="40000"/>
+                      </a:schemeClr>
+                    </a:solidFill>
+                  </a:tcPr>
+                </a:tc>
+                <a:tc>
+                  <a:txBody>
+                    <a:bodyPr/>
+                    <a:lstStyle/>
+                    <a:p>
+                      <a:r>
+                        <a:rPr lang="pt-BR" dirty="0"/>
+                        <a:t>■</a:t>
+                      </a:r>
+                    </a:p>
+                  </a:txBody>
+                  <a:tcPr>
+                    <a:solidFill>
+                      <a:schemeClr val="accent5">
+                        <a:lumMod val="60000"/>
+                        <a:lumOff val="40000"/>
+                      </a:schemeClr>
+                    </a:solidFill>
+                  </a:tcPr>
+                </a:tc>
+                <a:extLst>
+                  <a:ext uri="{0D108BD9-81ED-4DB2-BD59-A6C34878D82A}">
+                    <a16:rowId xmlns:a16="http://schemas.microsoft.com/office/drawing/2014/main" val="2364663883"/>
+                  </a:ext>
+                </a:extLst>
+              </a:tr>
+            </a:tbl>
+          </a:graphicData>
+        </a:graphic>
+      </p:graphicFrame>
+      <p:graphicFrame>
+        <p:nvGraphicFramePr>
+          <p:cNvPr id="47" name="Tabela 45">
+            <a:extLst>
+              <a:ext uri="{FF2B5EF4-FFF2-40B4-BE49-F238E27FC236}">
+                <a16:creationId xmlns:a16="http://schemas.microsoft.com/office/drawing/2014/main" id="{25ACCAC9-FB41-4C9A-AF78-A2C3BF38BCF5}"/>
+              </a:ext>
+            </a:extLst>
+          </p:cNvPr>
+          <p:cNvGraphicFramePr>
+            <a:graphicFrameLocks noGrp="1"/>
+          </p:cNvGraphicFramePr>
+          <p:nvPr>
+            <p:extLst>
+              <p:ext uri="{D42A27DB-BD31-4B8C-83A1-F6EECF244321}">
+                <p14:modId xmlns:p14="http://schemas.microsoft.com/office/powerpoint/2010/main" val="2779707175"/>
+              </p:ext>
+            </p:extLst>
+          </p:nvPr>
+        </p:nvGraphicFramePr>
+        <p:xfrm>
+          <a:off x="9281102" y="1955034"/>
+          <a:ext cx="1775790" cy="365760"/>
+        </p:xfrm>
+        <a:graphic>
+          <a:graphicData uri="http://schemas.openxmlformats.org/drawingml/2006/table">
+            <a:tbl>
+              <a:tblPr firstRow="1" bandRow="1">
+                <a:tableStyleId>{F5AB1C69-6EDB-4FF4-983F-18BD219EF322}</a:tableStyleId>
+              </a:tblPr>
+              <a:tblGrid>
+                <a:gridCol w="355158">
+                  <a:extLst>
+                    <a:ext uri="{9D8B030D-6E8A-4147-A177-3AD203B41FA5}">
+                      <a16:colId xmlns:a16="http://schemas.microsoft.com/office/drawing/2014/main" val="3161155790"/>
+                    </a:ext>
+                  </a:extLst>
+                </a:gridCol>
+                <a:gridCol w="355158">
+                  <a:extLst>
+                    <a:ext uri="{9D8B030D-6E8A-4147-A177-3AD203B41FA5}">
+                      <a16:colId xmlns:a16="http://schemas.microsoft.com/office/drawing/2014/main" val="2382013146"/>
+                    </a:ext>
+                  </a:extLst>
+                </a:gridCol>
+                <a:gridCol w="355158">
+                  <a:extLst>
+                    <a:ext uri="{9D8B030D-6E8A-4147-A177-3AD203B41FA5}">
+                      <a16:colId xmlns:a16="http://schemas.microsoft.com/office/drawing/2014/main" val="640605832"/>
+                    </a:ext>
+                  </a:extLst>
+                </a:gridCol>
+                <a:gridCol w="355158">
+                  <a:extLst>
+                    <a:ext uri="{9D8B030D-6E8A-4147-A177-3AD203B41FA5}">
+                      <a16:colId xmlns:a16="http://schemas.microsoft.com/office/drawing/2014/main" val="3893896809"/>
+                    </a:ext>
+                  </a:extLst>
+                </a:gridCol>
+                <a:gridCol w="355158">
+                  <a:extLst>
+                    <a:ext uri="{9D8B030D-6E8A-4147-A177-3AD203B41FA5}">
+                      <a16:colId xmlns:a16="http://schemas.microsoft.com/office/drawing/2014/main" val="2405545493"/>
+                    </a:ext>
+                  </a:extLst>
+                </a:gridCol>
+              </a:tblGrid>
+              <a:tr h="240078">
+                <a:tc>
+                  <a:txBody>
+                    <a:bodyPr/>
+                    <a:lstStyle/>
+                    <a:p>
+                      <a:r>
+                        <a:rPr lang="pt-BR" dirty="0"/>
+                        <a:t>→</a:t>
+                      </a:r>
+                    </a:p>
+                  </a:txBody>
+                  <a:tcPr>
+                    <a:solidFill>
+                      <a:schemeClr val="accent5">
+                        <a:lumMod val="60000"/>
+                        <a:lumOff val="40000"/>
+                      </a:schemeClr>
+                    </a:solidFill>
+                  </a:tcPr>
+                </a:tc>
+                <a:tc>
+                  <a:txBody>
+                    <a:bodyPr/>
+                    <a:lstStyle/>
+                    <a:p>
+                      <a:r>
+                        <a:rPr lang="pt-BR" dirty="0"/>
+                        <a:t>↑</a:t>
+                      </a:r>
+                    </a:p>
+                  </a:txBody>
+                  <a:tcPr>
+                    <a:solidFill>
+                      <a:schemeClr val="accent5">
+                        <a:lumMod val="60000"/>
+                        <a:lumOff val="40000"/>
+                      </a:schemeClr>
+                    </a:solidFill>
+                  </a:tcPr>
+                </a:tc>
+                <a:tc>
+                  <a:txBody>
+                    <a:bodyPr/>
+                    <a:lstStyle/>
+                    <a:p>
+                      <a:pPr marL="0" marR="0" lvl="0" indent="0" algn="l" defTabSz="914400" rtl="0" eaLnBrk="1" fontAlgn="auto" latinLnBrk="0" hangingPunct="1">
+                        <a:lnSpc>
+                          <a:spcPct val="100000"/>
+                        </a:lnSpc>
+                        <a:spcBef>
+                          <a:spcPts val="0"/>
+                        </a:spcBef>
+                        <a:spcAft>
+                          <a:spcPts val="0"/>
+                        </a:spcAft>
+                        <a:buClrTx/>
+                        <a:buSzTx/>
+                        <a:buFontTx/>
+                        <a:buNone/>
+                        <a:tabLst/>
+                        <a:defRPr/>
+                      </a:pPr>
+                      <a:r>
+                        <a:rPr lang="pt-BR" dirty="0"/>
+                        <a:t>■</a:t>
+                      </a:r>
+                    </a:p>
+                  </a:txBody>
+                  <a:tcPr>
+                    <a:solidFill>
+                      <a:schemeClr val="accent5">
+                        <a:lumMod val="60000"/>
+                        <a:lumOff val="40000"/>
+                      </a:schemeClr>
+                    </a:solidFill>
+                  </a:tcPr>
+                </a:tc>
+                <a:tc>
+                  <a:txBody>
+                    <a:bodyPr/>
+                    <a:lstStyle/>
+                    <a:p>
+                      <a:r>
+                        <a:rPr lang="pt-BR" dirty="0"/>
+                        <a:t>↑</a:t>
+                      </a:r>
+                    </a:p>
+                  </a:txBody>
+                  <a:tcPr>
+                    <a:solidFill>
+                      <a:schemeClr val="accent5">
+                        <a:lumMod val="60000"/>
+                        <a:lumOff val="40000"/>
+                      </a:schemeClr>
+                    </a:solidFill>
+                  </a:tcPr>
+                </a:tc>
+                <a:tc>
+                  <a:txBody>
+                    <a:bodyPr/>
+                    <a:lstStyle/>
+                    <a:p>
+                      <a:r>
+                        <a:rPr lang="pt-BR" dirty="0"/>
+                        <a:t>■</a:t>
+                      </a:r>
+                    </a:p>
+                  </a:txBody>
+                  <a:tcPr>
+                    <a:solidFill>
+                      <a:schemeClr val="accent5">
+                        <a:lumMod val="60000"/>
+                        <a:lumOff val="40000"/>
+                      </a:schemeClr>
+                    </a:solidFill>
+                  </a:tcPr>
+                </a:tc>
+                <a:extLst>
+                  <a:ext uri="{0D108BD9-81ED-4DB2-BD59-A6C34878D82A}">
+                    <a16:rowId xmlns:a16="http://schemas.microsoft.com/office/drawing/2014/main" val="2364663883"/>
+                  </a:ext>
+                </a:extLst>
+              </a:tr>
+            </a:tbl>
+          </a:graphicData>
+        </a:graphic>
+      </p:graphicFrame>
+      <p:graphicFrame>
+        <p:nvGraphicFramePr>
+          <p:cNvPr id="48" name="Tabela 45">
+            <a:extLst>
+              <a:ext uri="{FF2B5EF4-FFF2-40B4-BE49-F238E27FC236}">
+                <a16:creationId xmlns:a16="http://schemas.microsoft.com/office/drawing/2014/main" id="{984E9D21-5162-4F87-9827-323432961E34}"/>
+              </a:ext>
+            </a:extLst>
+          </p:cNvPr>
+          <p:cNvGraphicFramePr>
+            <a:graphicFrameLocks noGrp="1"/>
+          </p:cNvGraphicFramePr>
+          <p:nvPr>
+            <p:extLst>
+              <p:ext uri="{D42A27DB-BD31-4B8C-83A1-F6EECF244321}">
+                <p14:modId xmlns:p14="http://schemas.microsoft.com/office/powerpoint/2010/main" val="2817999149"/>
+              </p:ext>
+            </p:extLst>
+          </p:nvPr>
+        </p:nvGraphicFramePr>
+        <p:xfrm>
+          <a:off x="7426126" y="2455802"/>
+          <a:ext cx="1775790" cy="365760"/>
+        </p:xfrm>
+        <a:graphic>
+          <a:graphicData uri="http://schemas.openxmlformats.org/drawingml/2006/table">
+            <a:tbl>
+              <a:tblPr firstRow="1" bandRow="1">
+                <a:tableStyleId>{F5AB1C69-6EDB-4FF4-983F-18BD219EF322}</a:tableStyleId>
+              </a:tblPr>
+              <a:tblGrid>
+                <a:gridCol w="355158">
+                  <a:extLst>
+                    <a:ext uri="{9D8B030D-6E8A-4147-A177-3AD203B41FA5}">
+                      <a16:colId xmlns:a16="http://schemas.microsoft.com/office/drawing/2014/main" val="3161155790"/>
+                    </a:ext>
+                  </a:extLst>
+                </a:gridCol>
+                <a:gridCol w="355158">
+                  <a:extLst>
+                    <a:ext uri="{9D8B030D-6E8A-4147-A177-3AD203B41FA5}">
+                      <a16:colId xmlns:a16="http://schemas.microsoft.com/office/drawing/2014/main" val="2382013146"/>
+                    </a:ext>
+                  </a:extLst>
+                </a:gridCol>
+                <a:gridCol w="355158">
+                  <a:extLst>
+                    <a:ext uri="{9D8B030D-6E8A-4147-A177-3AD203B41FA5}">
+                      <a16:colId xmlns:a16="http://schemas.microsoft.com/office/drawing/2014/main" val="640605832"/>
+                    </a:ext>
+                  </a:extLst>
+                </a:gridCol>
+                <a:gridCol w="355158">
+                  <a:extLst>
+                    <a:ext uri="{9D8B030D-6E8A-4147-A177-3AD203B41FA5}">
+                      <a16:colId xmlns:a16="http://schemas.microsoft.com/office/drawing/2014/main" val="3893896809"/>
+                    </a:ext>
+                  </a:extLst>
+                </a:gridCol>
+                <a:gridCol w="355158">
+                  <a:extLst>
+                    <a:ext uri="{9D8B030D-6E8A-4147-A177-3AD203B41FA5}">
+                      <a16:colId xmlns:a16="http://schemas.microsoft.com/office/drawing/2014/main" val="2405545493"/>
+                    </a:ext>
+                  </a:extLst>
+                </a:gridCol>
+              </a:tblGrid>
+              <a:tr h="265989">
+                <a:tc>
+                  <a:txBody>
+                    <a:bodyPr/>
+                    <a:lstStyle/>
+                    <a:p>
+                      <a:r>
+                        <a:rPr lang="pt-BR" dirty="0"/>
+                        <a:t>←</a:t>
+                      </a:r>
+                    </a:p>
+                  </a:txBody>
+                  <a:tcPr/>
+                </a:tc>
+                <a:tc>
+                  <a:txBody>
+                    <a:bodyPr/>
+                    <a:lstStyle/>
+                    <a:p>
+                      <a:r>
+                        <a:rPr lang="pt-BR" dirty="0"/>
+                        <a:t>←</a:t>
+                      </a:r>
+                    </a:p>
+                  </a:txBody>
+                  <a:tcPr/>
+                </a:tc>
+                <a:tc>
+                  <a:txBody>
+                    <a:bodyPr/>
+                    <a:lstStyle/>
+                    <a:p>
+                      <a:r>
+                        <a:rPr lang="pt-BR" dirty="0"/>
+                        <a:t>←</a:t>
+                      </a:r>
+                    </a:p>
+                  </a:txBody>
+                  <a:tcPr/>
+                </a:tc>
+                <a:tc>
+                  <a:txBody>
+                    <a:bodyPr/>
+                    <a:lstStyle/>
+                    <a:p>
+                      <a:r>
+                        <a:rPr lang="pt-BR" dirty="0"/>
+                        <a:t>↑</a:t>
+                      </a:r>
+                    </a:p>
+                  </a:txBody>
+                  <a:tcPr/>
+                </a:tc>
+                <a:tc>
+                  <a:txBody>
+                    <a:bodyPr/>
+                    <a:lstStyle/>
+                    <a:p>
+                      <a:r>
+                        <a:rPr lang="pt-BR" dirty="0"/>
+                        <a:t>■</a:t>
+                      </a:r>
+                    </a:p>
+                  </a:txBody>
+                  <a:tcPr/>
+                </a:tc>
+                <a:extLst>
+                  <a:ext uri="{0D108BD9-81ED-4DB2-BD59-A6C34878D82A}">
+                    <a16:rowId xmlns:a16="http://schemas.microsoft.com/office/drawing/2014/main" val="2364663883"/>
+                  </a:ext>
+                </a:extLst>
+              </a:tr>
+            </a:tbl>
+          </a:graphicData>
+        </a:graphic>
+      </p:graphicFrame>
+      <p:graphicFrame>
+        <p:nvGraphicFramePr>
+          <p:cNvPr id="49" name="Tabela 45">
+            <a:extLst>
+              <a:ext uri="{FF2B5EF4-FFF2-40B4-BE49-F238E27FC236}">
+                <a16:creationId xmlns:a16="http://schemas.microsoft.com/office/drawing/2014/main" id="{1CABB589-AC72-47B1-AC0D-DFD58CE63D08}"/>
+              </a:ext>
+            </a:extLst>
+          </p:cNvPr>
+          <p:cNvGraphicFramePr>
+            <a:graphicFrameLocks noGrp="1"/>
+          </p:cNvGraphicFramePr>
+          <p:nvPr>
+            <p:extLst>
+              <p:ext uri="{D42A27DB-BD31-4B8C-83A1-F6EECF244321}">
+                <p14:modId xmlns:p14="http://schemas.microsoft.com/office/powerpoint/2010/main" val="2512576648"/>
+              </p:ext>
+            </p:extLst>
+          </p:nvPr>
+        </p:nvGraphicFramePr>
+        <p:xfrm>
+          <a:off x="9280337" y="2438128"/>
+          <a:ext cx="1775790" cy="365760"/>
+        </p:xfrm>
+        <a:graphic>
+          <a:graphicData uri="http://schemas.openxmlformats.org/drawingml/2006/table">
+            <a:tbl>
+              <a:tblPr firstRow="1" bandRow="1">
+                <a:tableStyleId>{F5AB1C69-6EDB-4FF4-983F-18BD219EF322}</a:tableStyleId>
+              </a:tblPr>
+              <a:tblGrid>
+                <a:gridCol w="355158">
+                  <a:extLst>
+                    <a:ext uri="{9D8B030D-6E8A-4147-A177-3AD203B41FA5}">
+                      <a16:colId xmlns:a16="http://schemas.microsoft.com/office/drawing/2014/main" val="3161155790"/>
+                    </a:ext>
+                  </a:extLst>
+                </a:gridCol>
+                <a:gridCol w="355158">
+                  <a:extLst>
+                    <a:ext uri="{9D8B030D-6E8A-4147-A177-3AD203B41FA5}">
+                      <a16:colId xmlns:a16="http://schemas.microsoft.com/office/drawing/2014/main" val="2382013146"/>
+                    </a:ext>
+                  </a:extLst>
+                </a:gridCol>
+                <a:gridCol w="355158">
+                  <a:extLst>
+                    <a:ext uri="{9D8B030D-6E8A-4147-A177-3AD203B41FA5}">
+                      <a16:colId xmlns:a16="http://schemas.microsoft.com/office/drawing/2014/main" val="640605832"/>
+                    </a:ext>
+                  </a:extLst>
+                </a:gridCol>
+                <a:gridCol w="355158">
+                  <a:extLst>
+                    <a:ext uri="{9D8B030D-6E8A-4147-A177-3AD203B41FA5}">
+                      <a16:colId xmlns:a16="http://schemas.microsoft.com/office/drawing/2014/main" val="3893896809"/>
+                    </a:ext>
+                  </a:extLst>
+                </a:gridCol>
+                <a:gridCol w="355158">
+                  <a:extLst>
+                    <a:ext uri="{9D8B030D-6E8A-4147-A177-3AD203B41FA5}">
+                      <a16:colId xmlns:a16="http://schemas.microsoft.com/office/drawing/2014/main" val="2405545493"/>
+                    </a:ext>
+                  </a:extLst>
+                </a:gridCol>
+              </a:tblGrid>
+              <a:tr h="240078">
+                <a:tc>
+                  <a:txBody>
+                    <a:bodyPr/>
+                    <a:lstStyle/>
+                    <a:p>
+                      <a:r>
+                        <a:rPr lang="pt-BR" dirty="0"/>
+                        <a:t>←</a:t>
+                      </a:r>
+                    </a:p>
+                  </a:txBody>
+                  <a:tcPr/>
+                </a:tc>
+                <a:tc>
+                  <a:txBody>
+                    <a:bodyPr/>
+                    <a:lstStyle/>
+                    <a:p>
+                      <a:r>
+                        <a:rPr lang="pt-BR" dirty="0"/>
+                        <a:t>↑</a:t>
+                      </a:r>
+                    </a:p>
+                  </a:txBody>
+                  <a:tcPr/>
+                </a:tc>
+                <a:tc>
+                  <a:txBody>
+                    <a:bodyPr/>
+                    <a:lstStyle/>
+                    <a:p>
+                      <a:pPr marL="0" marR="0" lvl="0" indent="0" algn="l" defTabSz="914400" rtl="0" eaLnBrk="1" fontAlgn="auto" latinLnBrk="0" hangingPunct="1">
+                        <a:lnSpc>
+                          <a:spcPct val="100000"/>
+                        </a:lnSpc>
+                        <a:spcBef>
+                          <a:spcPts val="0"/>
+                        </a:spcBef>
+                        <a:spcAft>
+                          <a:spcPts val="0"/>
+                        </a:spcAft>
+                        <a:buClrTx/>
+                        <a:buSzTx/>
+                        <a:buFontTx/>
+                        <a:buNone/>
+                        <a:tabLst/>
+                        <a:defRPr/>
+                      </a:pPr>
+                      <a:r>
+                        <a:rPr lang="pt-BR" dirty="0"/>
+                        <a:t>←</a:t>
+                      </a:r>
+                    </a:p>
+                  </a:txBody>
+                  <a:tcPr/>
+                </a:tc>
+                <a:tc>
+                  <a:txBody>
+                    <a:bodyPr/>
+                    <a:lstStyle/>
+                    <a:p>
+                      <a:r>
+                        <a:rPr lang="pt-BR" dirty="0"/>
+                        <a:t>←</a:t>
+                      </a:r>
+                    </a:p>
+                  </a:txBody>
+                  <a:tcPr/>
+                </a:tc>
+                <a:tc>
+                  <a:txBody>
+                    <a:bodyPr/>
+                    <a:lstStyle/>
+                    <a:p>
+                      <a:r>
+                        <a:rPr lang="pt-BR" dirty="0"/>
+                        <a:t>↑</a:t>
+                      </a:r>
+                    </a:p>
+                  </a:txBody>
+                  <a:tcPr/>
+                </a:tc>
+                <a:extLst>
+                  <a:ext uri="{0D108BD9-81ED-4DB2-BD59-A6C34878D82A}">
+                    <a16:rowId xmlns:a16="http://schemas.microsoft.com/office/drawing/2014/main" val="2364663883"/>
+                  </a:ext>
+                </a:extLst>
+              </a:tr>
+            </a:tbl>
+          </a:graphicData>
+        </a:graphic>
+      </p:graphicFrame>
+      <p:graphicFrame>
+        <p:nvGraphicFramePr>
+          <p:cNvPr id="52" name="Tabela 45">
+            <a:extLst>
+              <a:ext uri="{FF2B5EF4-FFF2-40B4-BE49-F238E27FC236}">
+                <a16:creationId xmlns:a16="http://schemas.microsoft.com/office/drawing/2014/main" id="{7EF5339F-756C-468B-AA56-4FBD703723BD}"/>
+              </a:ext>
+            </a:extLst>
+          </p:cNvPr>
+          <p:cNvGraphicFramePr>
+            <a:graphicFrameLocks noGrp="1"/>
+          </p:cNvGraphicFramePr>
+          <p:nvPr>
+            <p:extLst>
+              <p:ext uri="{D42A27DB-BD31-4B8C-83A1-F6EECF244321}">
+                <p14:modId xmlns:p14="http://schemas.microsoft.com/office/powerpoint/2010/main" val="3311121109"/>
+              </p:ext>
+            </p:extLst>
+          </p:nvPr>
+        </p:nvGraphicFramePr>
+        <p:xfrm>
+          <a:off x="7426126" y="3248578"/>
+          <a:ext cx="1775790" cy="365760"/>
+        </p:xfrm>
+        <a:graphic>
+          <a:graphicData uri="http://schemas.openxmlformats.org/drawingml/2006/table">
+            <a:tbl>
+              <a:tblPr firstRow="1" bandRow="1">
+                <a:tableStyleId>{F5AB1C69-6EDB-4FF4-983F-18BD219EF322}</a:tableStyleId>
+              </a:tblPr>
+              <a:tblGrid>
+                <a:gridCol w="355158">
+                  <a:extLst>
+                    <a:ext uri="{9D8B030D-6E8A-4147-A177-3AD203B41FA5}">
+                      <a16:colId xmlns:a16="http://schemas.microsoft.com/office/drawing/2014/main" val="3161155790"/>
+                    </a:ext>
+                  </a:extLst>
+                </a:gridCol>
+                <a:gridCol w="355158">
+                  <a:extLst>
+                    <a:ext uri="{9D8B030D-6E8A-4147-A177-3AD203B41FA5}">
+                      <a16:colId xmlns:a16="http://schemas.microsoft.com/office/drawing/2014/main" val="2382013146"/>
+                    </a:ext>
+                  </a:extLst>
+                </a:gridCol>
+                <a:gridCol w="355158">
+                  <a:extLst>
+                    <a:ext uri="{9D8B030D-6E8A-4147-A177-3AD203B41FA5}">
+                      <a16:colId xmlns:a16="http://schemas.microsoft.com/office/drawing/2014/main" val="640605832"/>
+                    </a:ext>
+                  </a:extLst>
+                </a:gridCol>
+                <a:gridCol w="355158">
+                  <a:extLst>
+                    <a:ext uri="{9D8B030D-6E8A-4147-A177-3AD203B41FA5}">
+                      <a16:colId xmlns:a16="http://schemas.microsoft.com/office/drawing/2014/main" val="3893896809"/>
+                    </a:ext>
+                  </a:extLst>
+                </a:gridCol>
+                <a:gridCol w="355158">
+                  <a:extLst>
+                    <a:ext uri="{9D8B030D-6E8A-4147-A177-3AD203B41FA5}">
+                      <a16:colId xmlns:a16="http://schemas.microsoft.com/office/drawing/2014/main" val="2405545493"/>
+                    </a:ext>
+                  </a:extLst>
+                </a:gridCol>
+              </a:tblGrid>
+              <a:tr h="265989">
+                <a:tc>
+                  <a:txBody>
+                    <a:bodyPr/>
+                    <a:lstStyle/>
+                    <a:p>
+                      <a:r>
+                        <a:rPr lang="pt-BR" dirty="0"/>
+                        <a:t>→</a:t>
+                      </a:r>
+                    </a:p>
+                  </a:txBody>
+                  <a:tcPr>
+                    <a:solidFill>
+                      <a:schemeClr val="accent5">
+                        <a:lumMod val="60000"/>
+                        <a:lumOff val="40000"/>
+                      </a:schemeClr>
+                    </a:solidFill>
+                  </a:tcPr>
+                </a:tc>
+                <a:tc>
+                  <a:txBody>
+                    <a:bodyPr/>
+                    <a:lstStyle/>
+                    <a:p>
+                      <a:r>
+                        <a:rPr lang="pt-BR" dirty="0"/>
+                        <a:t>→</a:t>
+                      </a:r>
+                    </a:p>
+                  </a:txBody>
+                  <a:tcPr>
+                    <a:solidFill>
+                      <a:schemeClr val="accent5">
+                        <a:lumMod val="60000"/>
+                        <a:lumOff val="40000"/>
+                      </a:schemeClr>
+                    </a:solidFill>
+                  </a:tcPr>
+                </a:tc>
+                <a:tc>
+                  <a:txBody>
+                    <a:bodyPr/>
+                    <a:lstStyle/>
+                    <a:p>
+                      <a:r>
+                        <a:rPr lang="pt-BR" dirty="0"/>
+                        <a:t>→</a:t>
+                      </a:r>
+                    </a:p>
+                  </a:txBody>
+                  <a:tcPr>
+                    <a:solidFill>
+                      <a:schemeClr val="accent5">
+                        <a:lumMod val="60000"/>
+                        <a:lumOff val="40000"/>
+                      </a:schemeClr>
+                    </a:solidFill>
+                  </a:tcPr>
+                </a:tc>
+                <a:tc>
+                  <a:txBody>
+                    <a:bodyPr/>
+                    <a:lstStyle/>
+                    <a:p>
+                      <a:r>
+                        <a:rPr lang="pt-BR" dirty="0"/>
+                        <a:t>↑</a:t>
+                      </a:r>
+                    </a:p>
+                  </a:txBody>
+                  <a:tcPr>
+                    <a:solidFill>
+                      <a:schemeClr val="accent5">
+                        <a:lumMod val="60000"/>
+                        <a:lumOff val="40000"/>
+                      </a:schemeClr>
+                    </a:solidFill>
+                  </a:tcPr>
+                </a:tc>
+                <a:tc>
+                  <a:txBody>
+                    <a:bodyPr/>
+                    <a:lstStyle/>
+                    <a:p>
+                      <a:r>
+                        <a:rPr lang="pt-BR" dirty="0"/>
+                        <a:t>■</a:t>
+                      </a:r>
+                    </a:p>
+                  </a:txBody>
+                  <a:tcPr>
+                    <a:solidFill>
+                      <a:schemeClr val="accent5">
+                        <a:lumMod val="60000"/>
+                        <a:lumOff val="40000"/>
+                      </a:schemeClr>
+                    </a:solidFill>
+                  </a:tcPr>
+                </a:tc>
+                <a:extLst>
+                  <a:ext uri="{0D108BD9-81ED-4DB2-BD59-A6C34878D82A}">
+                    <a16:rowId xmlns:a16="http://schemas.microsoft.com/office/drawing/2014/main" val="2364663883"/>
+                  </a:ext>
+                </a:extLst>
+              </a:tr>
+            </a:tbl>
+          </a:graphicData>
+        </a:graphic>
+      </p:graphicFrame>
+      <p:graphicFrame>
+        <p:nvGraphicFramePr>
+          <p:cNvPr id="53" name="Tabela 45">
+            <a:extLst>
+              <a:ext uri="{FF2B5EF4-FFF2-40B4-BE49-F238E27FC236}">
+                <a16:creationId xmlns:a16="http://schemas.microsoft.com/office/drawing/2014/main" id="{2BF53ABE-5ED3-4D37-B0D3-45D756E434E0}"/>
+              </a:ext>
+            </a:extLst>
+          </p:cNvPr>
+          <p:cNvGraphicFramePr>
+            <a:graphicFrameLocks noGrp="1"/>
+          </p:cNvGraphicFramePr>
+          <p:nvPr>
+            <p:extLst>
+              <p:ext uri="{D42A27DB-BD31-4B8C-83A1-F6EECF244321}">
+                <p14:modId xmlns:p14="http://schemas.microsoft.com/office/powerpoint/2010/main" val="4058481586"/>
+              </p:ext>
+            </p:extLst>
+          </p:nvPr>
+        </p:nvGraphicFramePr>
+        <p:xfrm>
+          <a:off x="9280337" y="3251464"/>
+          <a:ext cx="1775790" cy="365760"/>
+        </p:xfrm>
+        <a:graphic>
+          <a:graphicData uri="http://schemas.openxmlformats.org/drawingml/2006/table">
+            <a:tbl>
+              <a:tblPr firstRow="1" bandRow="1">
+                <a:tableStyleId>{F5AB1C69-6EDB-4FF4-983F-18BD219EF322}</a:tableStyleId>
+              </a:tblPr>
+              <a:tblGrid>
+                <a:gridCol w="355158">
+                  <a:extLst>
+                    <a:ext uri="{9D8B030D-6E8A-4147-A177-3AD203B41FA5}">
+                      <a16:colId xmlns:a16="http://schemas.microsoft.com/office/drawing/2014/main" val="3161155790"/>
+                    </a:ext>
+                  </a:extLst>
+                </a:gridCol>
+                <a:gridCol w="355158">
+                  <a:extLst>
+                    <a:ext uri="{9D8B030D-6E8A-4147-A177-3AD203B41FA5}">
+                      <a16:colId xmlns:a16="http://schemas.microsoft.com/office/drawing/2014/main" val="2382013146"/>
+                    </a:ext>
+                  </a:extLst>
+                </a:gridCol>
+                <a:gridCol w="355158">
+                  <a:extLst>
+                    <a:ext uri="{9D8B030D-6E8A-4147-A177-3AD203B41FA5}">
+                      <a16:colId xmlns:a16="http://schemas.microsoft.com/office/drawing/2014/main" val="640605832"/>
+                    </a:ext>
+                  </a:extLst>
+                </a:gridCol>
+                <a:gridCol w="355158">
+                  <a:extLst>
+                    <a:ext uri="{9D8B030D-6E8A-4147-A177-3AD203B41FA5}">
+                      <a16:colId xmlns:a16="http://schemas.microsoft.com/office/drawing/2014/main" val="3893896809"/>
+                    </a:ext>
+                  </a:extLst>
+                </a:gridCol>
+                <a:gridCol w="355158">
+                  <a:extLst>
+                    <a:ext uri="{9D8B030D-6E8A-4147-A177-3AD203B41FA5}">
+                      <a16:colId xmlns:a16="http://schemas.microsoft.com/office/drawing/2014/main" val="2405545493"/>
+                    </a:ext>
+                  </a:extLst>
+                </a:gridCol>
+              </a:tblGrid>
+              <a:tr h="240078">
+                <a:tc>
+                  <a:txBody>
+                    <a:bodyPr/>
+                    <a:lstStyle/>
+                    <a:p>
+                      <a:r>
+                        <a:rPr lang="pt-BR" dirty="0"/>
+                        <a:t>←</a:t>
+                      </a:r>
+                    </a:p>
+                  </a:txBody>
+                  <a:tcPr/>
+                </a:tc>
+                <a:tc>
+                  <a:txBody>
+                    <a:bodyPr/>
+                    <a:lstStyle/>
+                    <a:p>
+                      <a:r>
+                        <a:rPr lang="pt-BR" dirty="0"/>
+                        <a:t>↑</a:t>
+                      </a:r>
+                    </a:p>
+                  </a:txBody>
+                  <a:tcPr/>
+                </a:tc>
+                <a:tc>
+                  <a:txBody>
+                    <a:bodyPr/>
+                    <a:lstStyle/>
+                    <a:p>
+                      <a:pPr marL="0" marR="0" lvl="0" indent="0" algn="l" defTabSz="914400" rtl="0" eaLnBrk="1" fontAlgn="auto" latinLnBrk="0" hangingPunct="1">
+                        <a:lnSpc>
+                          <a:spcPct val="100000"/>
+                        </a:lnSpc>
+                        <a:spcBef>
+                          <a:spcPts val="0"/>
+                        </a:spcBef>
+                        <a:spcAft>
+                          <a:spcPts val="0"/>
+                        </a:spcAft>
+                        <a:buClrTx/>
+                        <a:buSzTx/>
+                        <a:buFontTx/>
+                        <a:buNone/>
+                        <a:tabLst/>
+                        <a:defRPr/>
+                      </a:pPr>
+                      <a:r>
+                        <a:rPr lang="pt-BR" dirty="0"/>
+                        <a:t>←</a:t>
+                      </a:r>
+                    </a:p>
+                  </a:txBody>
+                  <a:tcPr/>
+                </a:tc>
+                <a:tc>
+                  <a:txBody>
+                    <a:bodyPr/>
+                    <a:lstStyle/>
+                    <a:p>
+                      <a:r>
+                        <a:rPr lang="pt-BR" dirty="0"/>
+                        <a:t>←</a:t>
+                      </a:r>
+                    </a:p>
+                  </a:txBody>
+                  <a:tcPr/>
+                </a:tc>
+                <a:tc>
+                  <a:txBody>
+                    <a:bodyPr/>
+                    <a:lstStyle/>
+                    <a:p>
+                      <a:r>
+                        <a:rPr lang="pt-BR" dirty="0"/>
+                        <a:t>↑</a:t>
+                      </a:r>
+                    </a:p>
+                  </a:txBody>
+                  <a:tcPr/>
+                </a:tc>
+                <a:extLst>
+                  <a:ext uri="{0D108BD9-81ED-4DB2-BD59-A6C34878D82A}">
+                    <a16:rowId xmlns:a16="http://schemas.microsoft.com/office/drawing/2014/main" val="2364663883"/>
+                  </a:ext>
+                </a:extLst>
+              </a:tr>
+            </a:tbl>
+          </a:graphicData>
+        </a:graphic>
+      </p:graphicFrame>
+      <p:graphicFrame>
+        <p:nvGraphicFramePr>
+          <p:cNvPr id="54" name="Tabela 45">
+            <a:extLst>
+              <a:ext uri="{FF2B5EF4-FFF2-40B4-BE49-F238E27FC236}">
+                <a16:creationId xmlns:a16="http://schemas.microsoft.com/office/drawing/2014/main" id="{94D17E56-A1FE-42E8-AC83-F5AA0C0F22DF}"/>
+              </a:ext>
+            </a:extLst>
+          </p:cNvPr>
+          <p:cNvGraphicFramePr>
+            <a:graphicFrameLocks noGrp="1"/>
+          </p:cNvGraphicFramePr>
+          <p:nvPr>
+            <p:extLst>
+              <p:ext uri="{D42A27DB-BD31-4B8C-83A1-F6EECF244321}">
+                <p14:modId xmlns:p14="http://schemas.microsoft.com/office/powerpoint/2010/main" val="2553264329"/>
+              </p:ext>
+            </p:extLst>
+          </p:nvPr>
+        </p:nvGraphicFramePr>
+        <p:xfrm>
+          <a:off x="7441828" y="3738645"/>
+          <a:ext cx="1775790" cy="365760"/>
+        </p:xfrm>
+        <a:graphic>
+          <a:graphicData uri="http://schemas.openxmlformats.org/drawingml/2006/table">
+            <a:tbl>
+              <a:tblPr firstRow="1" bandRow="1">
+                <a:tableStyleId>{F5AB1C69-6EDB-4FF4-983F-18BD219EF322}</a:tableStyleId>
+              </a:tblPr>
+              <a:tblGrid>
+                <a:gridCol w="355158">
+                  <a:extLst>
+                    <a:ext uri="{9D8B030D-6E8A-4147-A177-3AD203B41FA5}">
+                      <a16:colId xmlns:a16="http://schemas.microsoft.com/office/drawing/2014/main" val="3161155790"/>
+                    </a:ext>
+                  </a:extLst>
+                </a:gridCol>
+                <a:gridCol w="355158">
+                  <a:extLst>
+                    <a:ext uri="{9D8B030D-6E8A-4147-A177-3AD203B41FA5}">
+                      <a16:colId xmlns:a16="http://schemas.microsoft.com/office/drawing/2014/main" val="2382013146"/>
+                    </a:ext>
+                  </a:extLst>
+                </a:gridCol>
+                <a:gridCol w="355158">
+                  <a:extLst>
+                    <a:ext uri="{9D8B030D-6E8A-4147-A177-3AD203B41FA5}">
+                      <a16:colId xmlns:a16="http://schemas.microsoft.com/office/drawing/2014/main" val="640605832"/>
+                    </a:ext>
+                  </a:extLst>
+                </a:gridCol>
+                <a:gridCol w="355158">
+                  <a:extLst>
+                    <a:ext uri="{9D8B030D-6E8A-4147-A177-3AD203B41FA5}">
+                      <a16:colId xmlns:a16="http://schemas.microsoft.com/office/drawing/2014/main" val="3893896809"/>
+                    </a:ext>
+                  </a:extLst>
+                </a:gridCol>
+                <a:gridCol w="355158">
+                  <a:extLst>
+                    <a:ext uri="{9D8B030D-6E8A-4147-A177-3AD203B41FA5}">
+                      <a16:colId xmlns:a16="http://schemas.microsoft.com/office/drawing/2014/main" val="2405545493"/>
+                    </a:ext>
+                  </a:extLst>
+                </a:gridCol>
+              </a:tblGrid>
+              <a:tr h="265989">
+                <a:tc>
+                  <a:txBody>
+                    <a:bodyPr/>
+                    <a:lstStyle/>
+                    <a:p>
+                      <a:r>
+                        <a:rPr lang="pt-BR" dirty="0"/>
+                        <a:t>←</a:t>
+                      </a:r>
+                    </a:p>
+                  </a:txBody>
+                  <a:tcPr/>
+                </a:tc>
+                <a:tc>
+                  <a:txBody>
+                    <a:bodyPr/>
+                    <a:lstStyle/>
+                    <a:p>
+                      <a:r>
+                        <a:rPr lang="pt-BR" dirty="0"/>
+                        <a:t>←</a:t>
+                      </a:r>
+                    </a:p>
+                  </a:txBody>
+                  <a:tcPr/>
+                </a:tc>
+                <a:tc>
+                  <a:txBody>
+                    <a:bodyPr/>
+                    <a:lstStyle/>
+                    <a:p>
+                      <a:r>
+                        <a:rPr lang="pt-BR" dirty="0"/>
+                        <a:t>←</a:t>
+                      </a:r>
+                    </a:p>
+                  </a:txBody>
+                  <a:tcPr/>
+                </a:tc>
+                <a:tc>
+                  <a:txBody>
+                    <a:bodyPr/>
+                    <a:lstStyle/>
+                    <a:p>
+                      <a:r>
+                        <a:rPr lang="pt-BR" dirty="0"/>
+                        <a:t>↑</a:t>
+                      </a:r>
+                    </a:p>
+                  </a:txBody>
+                  <a:tcPr/>
+                </a:tc>
+                <a:tc>
+                  <a:txBody>
+                    <a:bodyPr/>
+                    <a:lstStyle/>
+                    <a:p>
+                      <a:r>
+                        <a:rPr lang="pt-BR" dirty="0"/>
+                        <a:t>■</a:t>
+                      </a:r>
+                    </a:p>
+                  </a:txBody>
+                  <a:tcPr/>
+                </a:tc>
+                <a:extLst>
+                  <a:ext uri="{0D108BD9-81ED-4DB2-BD59-A6C34878D82A}">
+                    <a16:rowId xmlns:a16="http://schemas.microsoft.com/office/drawing/2014/main" val="2364663883"/>
+                  </a:ext>
+                </a:extLst>
+              </a:tr>
+            </a:tbl>
+          </a:graphicData>
+        </a:graphic>
+      </p:graphicFrame>
+      <p:graphicFrame>
+        <p:nvGraphicFramePr>
+          <p:cNvPr id="55" name="Tabela 45">
+            <a:extLst>
+              <a:ext uri="{FF2B5EF4-FFF2-40B4-BE49-F238E27FC236}">
+                <a16:creationId xmlns:a16="http://schemas.microsoft.com/office/drawing/2014/main" id="{AD6012FC-C891-4D2D-8D03-F7A9B7F6EF2D}"/>
+              </a:ext>
+            </a:extLst>
+          </p:cNvPr>
+          <p:cNvGraphicFramePr>
+            <a:graphicFrameLocks noGrp="1"/>
+          </p:cNvGraphicFramePr>
+          <p:nvPr>
+            <p:extLst>
+              <p:ext uri="{D42A27DB-BD31-4B8C-83A1-F6EECF244321}">
+                <p14:modId xmlns:p14="http://schemas.microsoft.com/office/powerpoint/2010/main" val="710903516"/>
+              </p:ext>
+            </p:extLst>
+          </p:nvPr>
+        </p:nvGraphicFramePr>
+        <p:xfrm>
+          <a:off x="9280337" y="3743172"/>
+          <a:ext cx="1775790" cy="368531"/>
+        </p:xfrm>
+        <a:graphic>
+          <a:graphicData uri="http://schemas.openxmlformats.org/drawingml/2006/table">
+            <a:tbl>
+              <a:tblPr firstRow="1" bandRow="1">
+                <a:tableStyleId>{F5AB1C69-6EDB-4FF4-983F-18BD219EF322}</a:tableStyleId>
+              </a:tblPr>
+              <a:tblGrid>
+                <a:gridCol w="355158">
+                  <a:extLst>
+                    <a:ext uri="{9D8B030D-6E8A-4147-A177-3AD203B41FA5}">
+                      <a16:colId xmlns:a16="http://schemas.microsoft.com/office/drawing/2014/main" val="3161155790"/>
+                    </a:ext>
+                  </a:extLst>
+                </a:gridCol>
+                <a:gridCol w="355158">
+                  <a:extLst>
+                    <a:ext uri="{9D8B030D-6E8A-4147-A177-3AD203B41FA5}">
+                      <a16:colId xmlns:a16="http://schemas.microsoft.com/office/drawing/2014/main" val="2382013146"/>
+                    </a:ext>
+                  </a:extLst>
+                </a:gridCol>
+                <a:gridCol w="355158">
+                  <a:extLst>
+                    <a:ext uri="{9D8B030D-6E8A-4147-A177-3AD203B41FA5}">
+                      <a16:colId xmlns:a16="http://schemas.microsoft.com/office/drawing/2014/main" val="640605832"/>
+                    </a:ext>
+                  </a:extLst>
+                </a:gridCol>
+                <a:gridCol w="355158">
+                  <a:extLst>
+                    <a:ext uri="{9D8B030D-6E8A-4147-A177-3AD203B41FA5}">
+                      <a16:colId xmlns:a16="http://schemas.microsoft.com/office/drawing/2014/main" val="3893896809"/>
+                    </a:ext>
+                  </a:extLst>
+                </a:gridCol>
+                <a:gridCol w="355158">
+                  <a:extLst>
+                    <a:ext uri="{9D8B030D-6E8A-4147-A177-3AD203B41FA5}">
+                      <a16:colId xmlns:a16="http://schemas.microsoft.com/office/drawing/2014/main" val="2405545493"/>
+                    </a:ext>
+                  </a:extLst>
+                </a:gridCol>
+              </a:tblGrid>
+              <a:tr h="368531">
+                <a:tc>
+                  <a:txBody>
+                    <a:bodyPr/>
+                    <a:lstStyle/>
+                    <a:p>
+                      <a:r>
+                        <a:rPr lang="pt-BR" sz="1800" dirty="0"/>
+                        <a:t>→</a:t>
+                      </a:r>
+                    </a:p>
+                  </a:txBody>
+                  <a:tcPr>
+                    <a:solidFill>
+                      <a:schemeClr val="accent5">
+                        <a:lumMod val="60000"/>
+                        <a:lumOff val="40000"/>
+                      </a:schemeClr>
+                    </a:solidFill>
+                  </a:tcPr>
+                </a:tc>
+                <a:tc>
+                  <a:txBody>
+                    <a:bodyPr/>
+                    <a:lstStyle/>
+                    <a:p>
+                      <a:r>
+                        <a:rPr lang="pt-BR" sz="1800" dirty="0"/>
+                        <a:t>↑</a:t>
+                      </a:r>
+                    </a:p>
+                  </a:txBody>
+                  <a:tcPr>
+                    <a:solidFill>
+                      <a:schemeClr val="accent5">
+                        <a:lumMod val="60000"/>
+                        <a:lumOff val="40000"/>
+                      </a:schemeClr>
+                    </a:solidFill>
+                  </a:tcPr>
+                </a:tc>
+                <a:tc>
+                  <a:txBody>
+                    <a:bodyPr/>
+                    <a:lstStyle/>
+                    <a:p>
+                      <a:pPr marL="0" marR="0" lvl="0" indent="0" algn="l" defTabSz="914400" rtl="0" eaLnBrk="1" fontAlgn="auto" latinLnBrk="0" hangingPunct="1">
+                        <a:lnSpc>
+                          <a:spcPct val="100000"/>
+                        </a:lnSpc>
+                        <a:spcBef>
+                          <a:spcPts val="0"/>
+                        </a:spcBef>
+                        <a:spcAft>
+                          <a:spcPts val="0"/>
+                        </a:spcAft>
+                        <a:buClrTx/>
+                        <a:buSzTx/>
+                        <a:buFontTx/>
+                        <a:buNone/>
+                        <a:tabLst/>
+                        <a:defRPr/>
+                      </a:pPr>
+                      <a:r>
+                        <a:rPr lang="pt-BR" sz="1800" dirty="0"/>
+                        <a:t>→</a:t>
+                      </a:r>
+                    </a:p>
+                  </a:txBody>
+                  <a:tcPr>
+                    <a:solidFill>
+                      <a:schemeClr val="accent4">
+                        <a:lumMod val="40000"/>
+                        <a:lumOff val="60000"/>
+                      </a:schemeClr>
+                    </a:solidFill>
+                  </a:tcPr>
+                </a:tc>
+                <a:tc>
+                  <a:txBody>
+                    <a:bodyPr/>
+                    <a:lstStyle/>
+                    <a:p>
+                      <a:r>
+                        <a:rPr lang="pt-BR" sz="1800" dirty="0"/>
+                        <a:t>↑</a:t>
+                      </a:r>
+                    </a:p>
+                  </a:txBody>
+                  <a:tcPr>
+                    <a:solidFill>
+                      <a:schemeClr val="accent5">
+                        <a:lumMod val="60000"/>
+                        <a:lumOff val="40000"/>
+                      </a:schemeClr>
+                    </a:solidFill>
+                  </a:tcPr>
+                </a:tc>
+                <a:tc>
+                  <a:txBody>
+                    <a:bodyPr/>
+                    <a:lstStyle/>
+                    <a:p>
+                      <a:r>
+                        <a:rPr lang="pt-BR" sz="1800" dirty="0"/>
+                        <a:t>■</a:t>
+                      </a:r>
+                    </a:p>
+                  </a:txBody>
+                  <a:tcPr>
+                    <a:solidFill>
+                      <a:schemeClr val="accent5">
+                        <a:lumMod val="60000"/>
+                        <a:lumOff val="40000"/>
+                      </a:schemeClr>
+                    </a:solidFill>
+                  </a:tcPr>
+                </a:tc>
+                <a:extLst>
+                  <a:ext uri="{0D108BD9-81ED-4DB2-BD59-A6C34878D82A}">
+                    <a16:rowId xmlns:a16="http://schemas.microsoft.com/office/drawing/2014/main" val="2364663883"/>
+                  </a:ext>
+                </a:extLst>
+              </a:tr>
+            </a:tbl>
+          </a:graphicData>
+        </a:graphic>
+      </p:graphicFrame>
+      <p:sp>
+        <p:nvSpPr>
+          <p:cNvPr id="56" name="CaixaDeTexto 55">
+            <a:extLst>
+              <a:ext uri="{FF2B5EF4-FFF2-40B4-BE49-F238E27FC236}">
+                <a16:creationId xmlns:a16="http://schemas.microsoft.com/office/drawing/2014/main" id="{BD5BFFC9-7B84-485D-BF26-1842C36036E7}"/>
+              </a:ext>
+            </a:extLst>
+          </p:cNvPr>
+          <p:cNvSpPr txBox="1"/>
+          <p:nvPr/>
+        </p:nvSpPr>
+        <p:spPr>
+          <a:xfrm>
+            <a:off x="11118846" y="3341398"/>
+            <a:ext cx="670376" cy="738664"/>
+          </a:xfrm>
+          <a:prstGeom prst="rect">
+            <a:avLst/>
+          </a:prstGeom>
+          <a:noFill/>
+        </p:spPr>
+        <p:txBody>
+          <a:bodyPr wrap="none" rtlCol="0">
+            <a:spAutoFit/>
+          </a:bodyPr>
+          <a:lstStyle/>
+          <a:p>
+            <a:r>
+              <a:rPr lang="pt-BR" sz="1400" dirty="0"/>
+              <a:t>Filho 1</a:t>
+            </a:r>
+          </a:p>
+          <a:p>
+            <a:endParaRPr lang="pt-BR" sz="1400" dirty="0"/>
+          </a:p>
+          <a:p>
+            <a:r>
+              <a:rPr lang="pt-BR" sz="1400" dirty="0"/>
+              <a:t>Filho 2</a:t>
+            </a:r>
+          </a:p>
+        </p:txBody>
+      </p:sp>
+      <p:sp>
+        <p:nvSpPr>
+          <p:cNvPr id="57" name="CaixaDeTexto 56">
+            <a:extLst>
+              <a:ext uri="{FF2B5EF4-FFF2-40B4-BE49-F238E27FC236}">
+                <a16:creationId xmlns:a16="http://schemas.microsoft.com/office/drawing/2014/main" id="{7E01D22F-48F1-4F62-944F-3338C8C51A4C}"/>
+              </a:ext>
+            </a:extLst>
+          </p:cNvPr>
+          <p:cNvSpPr txBox="1"/>
+          <p:nvPr/>
+        </p:nvSpPr>
+        <p:spPr>
+          <a:xfrm>
+            <a:off x="11208527" y="2184114"/>
+            <a:ext cx="533479" cy="738664"/>
+          </a:xfrm>
+          <a:prstGeom prst="rect">
+            <a:avLst/>
+          </a:prstGeom>
+          <a:noFill/>
+        </p:spPr>
+        <p:txBody>
+          <a:bodyPr wrap="none" rtlCol="0">
+            <a:spAutoFit/>
+          </a:bodyPr>
+          <a:lstStyle/>
+          <a:p>
+            <a:r>
+              <a:rPr lang="pt-BR" sz="1400" dirty="0"/>
+              <a:t>Pai 1</a:t>
+            </a:r>
+          </a:p>
+          <a:p>
+            <a:endParaRPr lang="pt-BR" sz="1400" dirty="0"/>
+          </a:p>
+          <a:p>
+            <a:r>
+              <a:rPr lang="pt-BR" sz="1400" dirty="0"/>
+              <a:t>Pai 2</a:t>
+            </a:r>
+          </a:p>
+        </p:txBody>
+      </p:sp>
+    </p:spTree>
+    <p:extLst>
+      <p:ext uri="{BB962C8B-B14F-4D97-AF65-F5344CB8AC3E}">
+        <p14:creationId xmlns:p14="http://schemas.microsoft.com/office/powerpoint/2010/main" val="1024964032"/>
+      </p:ext>
+    </p:extLst>
+  </p:cSld>
+  <p:clrMapOvr>
+    <a:masterClrMapping/>
+  </p:clrMapOvr>
+</p:sld>
+</file>
+
+<file path=ppt/slides/slide4.xml><?xml version="1.0" encoding="utf-8"?>
+<p:sld xmlns:a="http://schemas.openxmlformats.org/drawingml/2006/main" xmlns:r="http://schemas.openxmlformats.org/officeDocument/2006/relationships" xmlns:p="http://schemas.openxmlformats.org/presentationml/2006/main">
+  <p:cSld>
+    <p:spTree>
+      <p:nvGrpSpPr>
+        <p:cNvPr id="1" name=""/>
+        <p:cNvGrpSpPr/>
+        <p:nvPr/>
+      </p:nvGrpSpPr>
+      <p:grpSpPr>
+        <a:xfrm>
+          <a:off x="0" y="0"/>
+          <a:ext cx="0" cy="0"/>
+          <a:chOff x="0" y="0"/>
+          <a:chExt cx="0" cy="0"/>
+        </a:xfrm>
+      </p:grpSpPr>
+      <p:sp>
+        <p:nvSpPr>
+          <p:cNvPr id="2" name="Título 1">
+            <a:extLst>
+              <a:ext uri="{FF2B5EF4-FFF2-40B4-BE49-F238E27FC236}">
+                <a16:creationId xmlns:a16="http://schemas.microsoft.com/office/drawing/2014/main" id="{9CC51775-3374-41BE-BFA9-7B34D25C1200}"/>
+              </a:ext>
+            </a:extLst>
+          </p:cNvPr>
+          <p:cNvSpPr>
+            <a:spLocks noGrp="1"/>
+          </p:cNvSpPr>
+          <p:nvPr>
+            <p:ph type="ctrTitle"/>
+          </p:nvPr>
+        </p:nvSpPr>
+        <p:spPr>
+          <a:xfrm>
             <a:off x="2963333" y="477838"/>
             <a:ext cx="5960533" cy="1011237"/>
           </a:xfrm>
@@ -3774,7 +7707,7 @@
 </p:sld>
 </file>
 
-<file path=ppt/slides/slide2.xml><?xml version="1.0" encoding="utf-8"?>
+<file path=ppt/slides/slide5.xml><?xml version="1.0" encoding="utf-8"?>
 <p:sld xmlns:a="http://schemas.openxmlformats.org/drawingml/2006/main" xmlns:r="http://schemas.openxmlformats.org/officeDocument/2006/relationships" xmlns:p="http://schemas.openxmlformats.org/presentationml/2006/main">
   <p:cSld>
     <p:spTree>
@@ -4076,7 +8009,7 @@
 </p:sld>
 </file>
 
-<file path=ppt/slides/slide3.xml><?xml version="1.0" encoding="utf-8"?>
+<file path=ppt/slides/slide6.xml><?xml version="1.0" encoding="utf-8"?>
 <p:sld xmlns:a="http://schemas.openxmlformats.org/drawingml/2006/main" xmlns:r="http://schemas.openxmlformats.org/officeDocument/2006/relationships" xmlns:p="http://schemas.openxmlformats.org/presentationml/2006/main">
   <p:cSld>
     <p:spTree>
@@ -4870,7 +8803,7 @@
 </p:sld>
 </file>
 
-<file path=ppt/slides/slide4.xml><?xml version="1.0" encoding="utf-8"?>
+<file path=ppt/slides/slide7.xml><?xml version="1.0" encoding="utf-8"?>
 <p:sld xmlns:a="http://schemas.openxmlformats.org/drawingml/2006/main" xmlns:r="http://schemas.openxmlformats.org/officeDocument/2006/relationships" xmlns:p="http://schemas.openxmlformats.org/presentationml/2006/main">
   <p:cSld>
     <p:spTree>
@@ -5397,7 +9330,7 @@
 </p:sld>
 </file>
 
-<file path=ppt/slides/slide5.xml><?xml version="1.0" encoding="utf-8"?>
+<file path=ppt/slides/slide8.xml><?xml version="1.0" encoding="utf-8"?>
 <p:sld xmlns:a="http://schemas.openxmlformats.org/drawingml/2006/main" xmlns:r="http://schemas.openxmlformats.org/officeDocument/2006/relationships" xmlns:p="http://schemas.openxmlformats.org/presentationml/2006/main">
   <p:cSld>
     <p:spTree>
@@ -5872,7 +9805,7 @@
 </p:sld>
 </file>
 
-<file path=ppt/slides/slide6.xml><?xml version="1.0" encoding="utf-8"?>
+<file path=ppt/slides/slide9.xml><?xml version="1.0" encoding="utf-8"?>
 <p:sld xmlns:a="http://schemas.openxmlformats.org/drawingml/2006/main" xmlns:r="http://schemas.openxmlformats.org/officeDocument/2006/relationships" xmlns:p="http://schemas.openxmlformats.org/presentationml/2006/main">
   <p:cSld>
     <p:spTree>
@@ -5932,7 +9865,7 @@
         <p:spPr>
           <a:xfrm>
             <a:off x="838200" y="2048932"/>
-            <a:ext cx="10405533" cy="2862322"/>
+            <a:ext cx="10405533" cy="3139321"/>
           </a:xfrm>
           <a:prstGeom prst="rect">
             <a:avLst/>
@@ -5947,7 +9880,23 @@
           <a:p>
             <a:r>
               <a:rPr lang="pt-BR" dirty="0"/>
-              <a:t>O Escopo deste trabalho é entregar uma primeira versão contendo IA Genética Estática</a:t>
+              <a:t>O objetivo deste trabalho é desenvolver uma primeira versão de um agente jogador utilizando </a:t>
+            </a:r>
+            <a:r>
+              <a:rPr lang="pt-BR" b="1" dirty="0"/>
+              <a:t>Inteligência Artificial Genética</a:t>
+            </a:r>
+            <a:r>
+              <a:rPr lang="pt-BR" dirty="0"/>
+              <a:t> em um ambiente de Space </a:t>
+            </a:r>
+            <a:r>
+              <a:rPr lang="pt-BR" dirty="0" err="1"/>
+              <a:t>Invaders</a:t>
+            </a:r>
+            <a:r>
+              <a:rPr lang="pt-BR" dirty="0"/>
+              <a:t> simplificado.</a:t>
             </a:r>
           </a:p>
           <a:p>
@@ -5956,7 +9905,7 @@
           <a:p>
             <a:r>
               <a:rPr lang="pt-BR" dirty="0"/>
-              <a:t>Neste contexto vamos criar os inimigos com uma movimentação linear onde sempre iniciarão no mesmo local e realizarão sempre os mesmos movimentos (em cada movimento deverão descer 1 passo e se mover lateralmente 1 passo)</a:t>
+              <a:t>Neste contexto, os inimigos serão configurados para apresentar movimentação linear e repetitiva ou permanecerão estáticos ao longo da partida.</a:t>
             </a:r>
           </a:p>
           <a:p>
@@ -5965,7 +9914,7 @@
           <a:p>
             <a:r>
               <a:rPr lang="pt-BR" dirty="0"/>
-              <a:t>O Jogador será desenvolvido com IA Genética com o objetivo de percorrer o caminho mais curto, ou seja, matar todos os inimigos no menor tempo.</a:t>
+              <a:t>O agente jogador, controlado por IA Genética, terá como principal objetivo eliminar todos os inimigos no menor tempo possível, buscando assim percorrer o caminho mais eficiente e otimizado para maximizar o desempenho no jogo.</a:t>
             </a:r>
           </a:p>
           <a:p>
@@ -5980,326 +9929,6 @@
     <p:extLst>
       <p:ext uri="{BB962C8B-B14F-4D97-AF65-F5344CB8AC3E}">
         <p14:creationId xmlns:p14="http://schemas.microsoft.com/office/powerpoint/2010/main" val="2773783"/>
-      </p:ext>
-    </p:extLst>
-  </p:cSld>
-  <p:clrMapOvr>
-    <a:masterClrMapping/>
-  </p:clrMapOvr>
-</p:sld>
-</file>
-
-<file path=ppt/slides/slide7.xml><?xml version="1.0" encoding="utf-8"?>
-<p:sld xmlns:a="http://schemas.openxmlformats.org/drawingml/2006/main" xmlns:r="http://schemas.openxmlformats.org/officeDocument/2006/relationships" xmlns:p="http://schemas.openxmlformats.org/presentationml/2006/main">
-  <p:cSld>
-    <p:spTree>
-      <p:nvGrpSpPr>
-        <p:cNvPr id="1" name=""/>
-        <p:cNvGrpSpPr/>
-        <p:nvPr/>
-      </p:nvGrpSpPr>
-      <p:grpSpPr>
-        <a:xfrm>
-          <a:off x="0" y="0"/>
-          <a:ext cx="0" cy="0"/>
-          <a:chOff x="0" y="0"/>
-          <a:chExt cx="0" cy="0"/>
-        </a:xfrm>
-      </p:grpSpPr>
-      <p:sp>
-        <p:nvSpPr>
-          <p:cNvPr id="2" name="Título 1">
-            <a:extLst>
-              <a:ext uri="{FF2B5EF4-FFF2-40B4-BE49-F238E27FC236}">
-                <a16:creationId xmlns:a16="http://schemas.microsoft.com/office/drawing/2014/main" id="{1159F4F8-4F57-4E45-95E7-7C5AE43D5587}"/>
-              </a:ext>
-            </a:extLst>
-          </p:cNvPr>
-          <p:cNvSpPr>
-            <a:spLocks noGrp="1"/>
-          </p:cNvSpPr>
-          <p:nvPr>
-            <p:ph type="title"/>
-          </p:nvPr>
-        </p:nvSpPr>
-        <p:spPr/>
-        <p:txBody>
-          <a:bodyPr/>
-          <a:lstStyle/>
-          <a:p>
-            <a:r>
-              <a:rPr lang="pt-BR" dirty="0"/>
-              <a:t>Evolução </a:t>
-            </a:r>
-            <a:r>
-              <a:rPr lang="pt-BR" sz="2400" dirty="0"/>
-              <a:t>(fora do escopo da entregas deste trabalho)</a:t>
-            </a:r>
-            <a:endParaRPr lang="pt-BR" dirty="0"/>
-          </a:p>
-        </p:txBody>
-      </p:sp>
-      <p:sp>
-        <p:nvSpPr>
-          <p:cNvPr id="3" name="CaixaDeTexto 2">
-            <a:extLst>
-              <a:ext uri="{FF2B5EF4-FFF2-40B4-BE49-F238E27FC236}">
-                <a16:creationId xmlns:a16="http://schemas.microsoft.com/office/drawing/2014/main" id="{F106ECAA-3C08-474F-8ED7-D020A7693FA5}"/>
-              </a:ext>
-            </a:extLst>
-          </p:cNvPr>
-          <p:cNvSpPr txBox="1"/>
-          <p:nvPr/>
-        </p:nvSpPr>
-        <p:spPr>
-          <a:xfrm>
-            <a:off x="838200" y="2048932"/>
-            <a:ext cx="10405533" cy="1477328"/>
-          </a:xfrm>
-          <a:prstGeom prst="rect">
-            <a:avLst/>
-          </a:prstGeom>
-          <a:noFill/>
-        </p:spPr>
-        <p:txBody>
-          <a:bodyPr wrap="square" rtlCol="0">
-            <a:spAutoFit/>
-          </a:bodyPr>
-          <a:lstStyle/>
-          <a:p>
-            <a:r>
-              <a:rPr lang="pt-BR" dirty="0"/>
-              <a:t>Este jogo poderá ser evoluído até o nível de se treinar duas Inteligências Artificiais com NEAT (</a:t>
-            </a:r>
-            <a:r>
-              <a:rPr lang="pt-BR" dirty="0" err="1"/>
-              <a:t>NeuroEvolution</a:t>
-            </a:r>
-            <a:r>
-              <a:rPr lang="pt-BR" dirty="0"/>
-              <a:t> </a:t>
-            </a:r>
-            <a:r>
-              <a:rPr lang="pt-BR" dirty="0" err="1"/>
-              <a:t>of</a:t>
-            </a:r>
-            <a:r>
-              <a:rPr lang="pt-BR" dirty="0"/>
-              <a:t> </a:t>
-            </a:r>
-            <a:r>
-              <a:rPr lang="pt-BR" dirty="0" err="1"/>
-              <a:t>Augmenting</a:t>
-            </a:r>
-            <a:r>
-              <a:rPr lang="pt-BR" dirty="0"/>
-              <a:t> </a:t>
-            </a:r>
-            <a:r>
-              <a:rPr lang="pt-BR" dirty="0" err="1"/>
-              <a:t>Topologies</a:t>
-            </a:r>
-            <a:r>
-              <a:rPr lang="pt-BR" dirty="0"/>
-              <a:t>), onde tanto os inimigos quanto o jogador poderão visualizar seus oponentes e tomar decisões mais complexas, inclusive se baseando no movimento dos oponentes.</a:t>
-            </a:r>
-          </a:p>
-          <a:p>
-            <a:endParaRPr lang="pt-BR" dirty="0"/>
-          </a:p>
-          <a:p>
-            <a:endParaRPr lang="pt-BR" dirty="0"/>
-          </a:p>
-        </p:txBody>
-      </p:sp>
-    </p:spTree>
-    <p:extLst>
-      <p:ext uri="{BB962C8B-B14F-4D97-AF65-F5344CB8AC3E}">
-        <p14:creationId xmlns:p14="http://schemas.microsoft.com/office/powerpoint/2010/main" val="793195397"/>
-      </p:ext>
-    </p:extLst>
-  </p:cSld>
-  <p:clrMapOvr>
-    <a:masterClrMapping/>
-  </p:clrMapOvr>
-</p:sld>
-</file>
-
-<file path=ppt/slides/slide8.xml><?xml version="1.0" encoding="utf-8"?>
-<p:sld xmlns:a="http://schemas.openxmlformats.org/drawingml/2006/main" xmlns:r="http://schemas.openxmlformats.org/officeDocument/2006/relationships" xmlns:p="http://schemas.openxmlformats.org/presentationml/2006/main">
-  <p:cSld>
-    <p:spTree>
-      <p:nvGrpSpPr>
-        <p:cNvPr id="1" name=""/>
-        <p:cNvGrpSpPr/>
-        <p:nvPr/>
-      </p:nvGrpSpPr>
-      <p:grpSpPr>
-        <a:xfrm>
-          <a:off x="0" y="0"/>
-          <a:ext cx="0" cy="0"/>
-          <a:chOff x="0" y="0"/>
-          <a:chExt cx="0" cy="0"/>
-        </a:xfrm>
-      </p:grpSpPr>
-      <p:sp>
-        <p:nvSpPr>
-          <p:cNvPr id="2" name="Título 1">
-            <a:extLst>
-              <a:ext uri="{FF2B5EF4-FFF2-40B4-BE49-F238E27FC236}">
-                <a16:creationId xmlns:a16="http://schemas.microsoft.com/office/drawing/2014/main" id="{1159F4F8-4F57-4E45-95E7-7C5AE43D5587}"/>
-              </a:ext>
-            </a:extLst>
-          </p:cNvPr>
-          <p:cNvSpPr>
-            <a:spLocks noGrp="1"/>
-          </p:cNvSpPr>
-          <p:nvPr>
-            <p:ph type="title"/>
-          </p:nvPr>
-        </p:nvSpPr>
-        <p:spPr/>
-        <p:txBody>
-          <a:bodyPr/>
-          <a:lstStyle/>
-          <a:p>
-            <a:r>
-              <a:rPr lang="pt-BR" dirty="0"/>
-              <a:t>Preciso Responder</a:t>
-            </a:r>
-          </a:p>
-        </p:txBody>
-      </p:sp>
-      <p:sp>
-        <p:nvSpPr>
-          <p:cNvPr id="3" name="CaixaDeTexto 2">
-            <a:extLst>
-              <a:ext uri="{FF2B5EF4-FFF2-40B4-BE49-F238E27FC236}">
-                <a16:creationId xmlns:a16="http://schemas.microsoft.com/office/drawing/2014/main" id="{F106ECAA-3C08-474F-8ED7-D020A7693FA5}"/>
-              </a:ext>
-            </a:extLst>
-          </p:cNvPr>
-          <p:cNvSpPr txBox="1"/>
-          <p:nvPr/>
-        </p:nvSpPr>
-        <p:spPr>
-          <a:xfrm>
-            <a:off x="838200" y="2048932"/>
-            <a:ext cx="10405533" cy="2585323"/>
-          </a:xfrm>
-          <a:prstGeom prst="rect">
-            <a:avLst/>
-          </a:prstGeom>
-          <a:noFill/>
-        </p:spPr>
-        <p:txBody>
-          <a:bodyPr wrap="square" rtlCol="0">
-            <a:spAutoFit/>
-          </a:bodyPr>
-          <a:lstStyle/>
-          <a:p>
-            <a:pPr algn="l" fontAlgn="base"/>
-            <a:r>
-              <a:rPr lang="pt-BR" sz="1800" b="0" i="0" dirty="0">
-                <a:solidFill>
-                  <a:srgbClr val="000000"/>
-                </a:solidFill>
-                <a:effectLst/>
-                <a:latin typeface="Aptos"/>
-              </a:rPr>
-              <a:t>O que você está otimizando? Qual é a variável que quer maximizar ou minimizar? (pode haver mais de uma)</a:t>
-            </a:r>
-          </a:p>
-          <a:p>
-            <a:pPr algn="l" fontAlgn="base"/>
-            <a:r>
-              <a:rPr lang="pt-BR" sz="1800" b="0" i="0" dirty="0">
-                <a:solidFill>
-                  <a:srgbClr val="000000"/>
-                </a:solidFill>
-                <a:effectLst/>
-                <a:latin typeface="Aptos"/>
-              </a:rPr>
-              <a:t>Qual é a representação da solução (genoma)?</a:t>
-            </a:r>
-          </a:p>
-          <a:p>
-            <a:pPr algn="l" fontAlgn="base"/>
-            <a:r>
-              <a:rPr lang="pt-BR" sz="1800" b="0" i="0" dirty="0">
-                <a:solidFill>
-                  <a:srgbClr val="000000"/>
-                </a:solidFill>
-                <a:effectLst/>
-                <a:latin typeface="Aptos"/>
-              </a:rPr>
-              <a:t>Qual é a função de fitness?</a:t>
-            </a:r>
-          </a:p>
-          <a:p>
-            <a:pPr algn="l" fontAlgn="base"/>
-            <a:r>
-              <a:rPr lang="pt-BR" sz="1800" b="0" i="0" dirty="0">
-                <a:solidFill>
-                  <a:srgbClr val="000000"/>
-                </a:solidFill>
-                <a:effectLst/>
-                <a:latin typeface="Aptos"/>
-              </a:rPr>
-              <a:t>Qual é o método de seleção?</a:t>
-            </a:r>
-          </a:p>
-          <a:p>
-            <a:pPr algn="l" fontAlgn="base"/>
-            <a:r>
-              <a:rPr lang="pt-BR" sz="1800" b="0" i="0" dirty="0">
-                <a:solidFill>
-                  <a:srgbClr val="000000"/>
-                </a:solidFill>
-                <a:effectLst/>
-                <a:latin typeface="Aptos"/>
-              </a:rPr>
-              <a:t>Qual método de crossover você vai implementar?</a:t>
-            </a:r>
-          </a:p>
-          <a:p>
-            <a:pPr algn="l" fontAlgn="base"/>
-            <a:r>
-              <a:rPr lang="pt-BR" sz="1800" b="0" i="0" dirty="0">
-                <a:solidFill>
-                  <a:srgbClr val="000000"/>
-                </a:solidFill>
-                <a:effectLst/>
-                <a:latin typeface="Aptos"/>
-              </a:rPr>
-              <a:t>Qual será o método de inicialização?</a:t>
-            </a:r>
-          </a:p>
-          <a:p>
-            <a:pPr algn="l" fontAlgn="base"/>
-            <a:r>
-              <a:rPr lang="pt-BR" sz="1800" b="0" i="0" dirty="0">
-                <a:solidFill>
-                  <a:srgbClr val="000000"/>
-                </a:solidFill>
-                <a:effectLst/>
-                <a:latin typeface="Aptos"/>
-              </a:rPr>
-              <a:t>Qual o critério de parada?</a:t>
-            </a:r>
-          </a:p>
-          <a:p>
-            <a:endParaRPr lang="pt-BR" dirty="0"/>
-          </a:p>
-          <a:p>
-            <a:endParaRPr lang="pt-BR" dirty="0"/>
-          </a:p>
-        </p:txBody>
-      </p:sp>
-    </p:spTree>
-    <p:extLst>
-      <p:ext uri="{BB962C8B-B14F-4D97-AF65-F5344CB8AC3E}">
-        <p14:creationId xmlns:p14="http://schemas.microsoft.com/office/powerpoint/2010/main" val="1324432143"/>
       </p:ext>
     </p:extLst>
   </p:cSld>
